--- a/regex/Regular Expression.pptx
+++ b/regex/Regular Expression.pptx
@@ -8,26 +8,27 @@
     <p:sldId id="256" r:id="rId2"/>
     <p:sldId id="257" r:id="rId3"/>
     <p:sldId id="258" r:id="rId4"/>
-    <p:sldId id="267" r:id="rId5"/>
-    <p:sldId id="259" r:id="rId6"/>
-    <p:sldId id="260" r:id="rId7"/>
-    <p:sldId id="261" r:id="rId8"/>
-    <p:sldId id="262" r:id="rId9"/>
-    <p:sldId id="263" r:id="rId10"/>
-    <p:sldId id="264" r:id="rId11"/>
-    <p:sldId id="266" r:id="rId12"/>
-    <p:sldId id="268" r:id="rId13"/>
-    <p:sldId id="270" r:id="rId14"/>
-    <p:sldId id="271" r:id="rId15"/>
-    <p:sldId id="272" r:id="rId16"/>
-    <p:sldId id="273" r:id="rId17"/>
-    <p:sldId id="269" r:id="rId18"/>
-    <p:sldId id="275" r:id="rId19"/>
-    <p:sldId id="276" r:id="rId20"/>
-    <p:sldId id="274" r:id="rId21"/>
-    <p:sldId id="279" r:id="rId22"/>
-    <p:sldId id="277" r:id="rId23"/>
-    <p:sldId id="278" r:id="rId24"/>
+    <p:sldId id="280" r:id="rId5"/>
+    <p:sldId id="267" r:id="rId6"/>
+    <p:sldId id="259" r:id="rId7"/>
+    <p:sldId id="260" r:id="rId8"/>
+    <p:sldId id="261" r:id="rId9"/>
+    <p:sldId id="262" r:id="rId10"/>
+    <p:sldId id="263" r:id="rId11"/>
+    <p:sldId id="264" r:id="rId12"/>
+    <p:sldId id="266" r:id="rId13"/>
+    <p:sldId id="268" r:id="rId14"/>
+    <p:sldId id="270" r:id="rId15"/>
+    <p:sldId id="271" r:id="rId16"/>
+    <p:sldId id="272" r:id="rId17"/>
+    <p:sldId id="273" r:id="rId18"/>
+    <p:sldId id="269" r:id="rId19"/>
+    <p:sldId id="275" r:id="rId20"/>
+    <p:sldId id="276" r:id="rId21"/>
+    <p:sldId id="274" r:id="rId22"/>
+    <p:sldId id="279" r:id="rId23"/>
+    <p:sldId id="277" r:id="rId24"/>
+    <p:sldId id="278" r:id="rId25"/>
   </p:sldIdLst>
   <p:sldSz cx="9144000" cy="6858000" type="screen4x3"/>
   <p:notesSz cx="6858000" cy="9144000"/>
@@ -311,7 +312,7 @@
             <a:fld id="{530820CF-B880-4189-942D-D702A7CBA730}" type="datetimeFigureOut">
               <a:rPr lang="zh-CN" altLang="en-US" smtClean="0"/>
               <a:pPr/>
-              <a:t>2012/3/25</a:t>
+              <a:t>2012/3/26</a:t>
             </a:fld>
             <a:endParaRPr lang="zh-CN" altLang="en-US"/>
           </a:p>
@@ -478,7 +479,7 @@
             <a:fld id="{530820CF-B880-4189-942D-D702A7CBA730}" type="datetimeFigureOut">
               <a:rPr lang="zh-CN" altLang="en-US" smtClean="0"/>
               <a:pPr/>
-              <a:t>2012/3/25</a:t>
+              <a:t>2012/3/26</a:t>
             </a:fld>
             <a:endParaRPr lang="zh-CN" altLang="en-US"/>
           </a:p>
@@ -655,7 +656,7 @@
             <a:fld id="{530820CF-B880-4189-942D-D702A7CBA730}" type="datetimeFigureOut">
               <a:rPr lang="zh-CN" altLang="en-US" smtClean="0"/>
               <a:pPr/>
-              <a:t>2012/3/25</a:t>
+              <a:t>2012/3/26</a:t>
             </a:fld>
             <a:endParaRPr lang="zh-CN" altLang="en-US"/>
           </a:p>
@@ -822,7 +823,7 @@
             <a:fld id="{530820CF-B880-4189-942D-D702A7CBA730}" type="datetimeFigureOut">
               <a:rPr lang="zh-CN" altLang="en-US" smtClean="0"/>
               <a:pPr/>
-              <a:t>2012/3/25</a:t>
+              <a:t>2012/3/26</a:t>
             </a:fld>
             <a:endParaRPr lang="zh-CN" altLang="en-US"/>
           </a:p>
@@ -1065,7 +1066,7 @@
             <a:fld id="{530820CF-B880-4189-942D-D702A7CBA730}" type="datetimeFigureOut">
               <a:rPr lang="zh-CN" altLang="en-US" smtClean="0"/>
               <a:pPr/>
-              <a:t>2012/3/25</a:t>
+              <a:t>2012/3/26</a:t>
             </a:fld>
             <a:endParaRPr lang="zh-CN" altLang="en-US"/>
           </a:p>
@@ -1350,7 +1351,7 @@
             <a:fld id="{530820CF-B880-4189-942D-D702A7CBA730}" type="datetimeFigureOut">
               <a:rPr lang="zh-CN" altLang="en-US" smtClean="0"/>
               <a:pPr/>
-              <a:t>2012/3/25</a:t>
+              <a:t>2012/3/26</a:t>
             </a:fld>
             <a:endParaRPr lang="zh-CN" altLang="en-US"/>
           </a:p>
@@ -1769,7 +1770,7 @@
             <a:fld id="{530820CF-B880-4189-942D-D702A7CBA730}" type="datetimeFigureOut">
               <a:rPr lang="zh-CN" altLang="en-US" smtClean="0"/>
               <a:pPr/>
-              <a:t>2012/3/25</a:t>
+              <a:t>2012/3/26</a:t>
             </a:fld>
             <a:endParaRPr lang="zh-CN" altLang="en-US"/>
           </a:p>
@@ -1884,7 +1885,7 @@
             <a:fld id="{530820CF-B880-4189-942D-D702A7CBA730}" type="datetimeFigureOut">
               <a:rPr lang="zh-CN" altLang="en-US" smtClean="0"/>
               <a:pPr/>
-              <a:t>2012/3/25</a:t>
+              <a:t>2012/3/26</a:t>
             </a:fld>
             <a:endParaRPr lang="zh-CN" altLang="en-US"/>
           </a:p>
@@ -1976,7 +1977,7 @@
             <a:fld id="{530820CF-B880-4189-942D-D702A7CBA730}" type="datetimeFigureOut">
               <a:rPr lang="zh-CN" altLang="en-US" smtClean="0"/>
               <a:pPr/>
-              <a:t>2012/3/25</a:t>
+              <a:t>2012/3/26</a:t>
             </a:fld>
             <a:endParaRPr lang="zh-CN" altLang="en-US"/>
           </a:p>
@@ -2250,7 +2251,7 @@
             <a:fld id="{530820CF-B880-4189-942D-D702A7CBA730}" type="datetimeFigureOut">
               <a:rPr lang="zh-CN" altLang="en-US" smtClean="0"/>
               <a:pPr/>
-              <a:t>2012/3/25</a:t>
+              <a:t>2012/3/26</a:t>
             </a:fld>
             <a:endParaRPr lang="zh-CN" altLang="en-US"/>
           </a:p>
@@ -2500,7 +2501,7 @@
             <a:fld id="{530820CF-B880-4189-942D-D702A7CBA730}" type="datetimeFigureOut">
               <a:rPr lang="zh-CN" altLang="en-US" smtClean="0"/>
               <a:pPr/>
-              <a:t>2012/3/25</a:t>
+              <a:t>2012/3/26</a:t>
             </a:fld>
             <a:endParaRPr lang="zh-CN" altLang="en-US"/>
           </a:p>
@@ -2710,7 +2711,7 @@
             <a:fld id="{530820CF-B880-4189-942D-D702A7CBA730}" type="datetimeFigureOut">
               <a:rPr lang="zh-CN" altLang="en-US" smtClean="0"/>
               <a:pPr/>
-              <a:t>2012/3/25</a:t>
+              <a:t>2012/3/26</a:t>
             </a:fld>
             <a:endParaRPr lang="zh-CN" altLang="en-US"/>
           </a:p>
@@ -3143,7 +3144,7 @@
     <a:masterClrMapping/>
   </p:clrMapOvr>
   <p:transition spd="slow">
-    <p:pull dir="d"/>
+    <p:fade/>
   </p:transition>
   <p:timing>
     <p:tnLst>
@@ -3189,7 +3190,7 @@
           <a:p>
             <a:r>
               <a:rPr lang="en-US" altLang="zh-CN" dirty="0" smtClean="0"/>
-              <a:t>Quantification</a:t>
+              <a:t>Border of Word</a:t>
             </a:r>
             <a:endParaRPr lang="zh-CN" altLang="en-US" dirty="0"/>
           </a:p>
@@ -3207,245 +3208,108 @@
         </p:nvSpPr>
         <p:spPr/>
         <p:txBody>
-          <a:bodyPr>
-            <a:normAutofit fontScale="92500"/>
-          </a:bodyPr>
+          <a:bodyPr/>
           <a:lstStyle/>
           <a:p>
             <a:r>
               <a:rPr lang="en-US" altLang="zh-CN" dirty="0" smtClean="0"/>
-              <a:t>{</a:t>
-            </a:r>
-            <a:r>
-              <a:rPr lang="en-US" altLang="zh-CN" dirty="0" err="1" smtClean="0"/>
-              <a:t>m,n</a:t>
-            </a:r>
+              <a:t>\b</a:t>
+            </a:r>
+          </a:p>
+          <a:p>
+            <a:pPr lvl="1">
+              <a:lnSpc>
+                <a:spcPct val="80000"/>
+              </a:lnSpc>
+            </a:pPr>
+            <a:r>
+              <a:rPr lang="en-US" altLang="zh-CN" sz="2600" dirty="0" smtClean="0">
+                <a:solidFill>
+                  <a:srgbClr val="0070C0"/>
+                </a:solidFill>
+              </a:rPr>
+              <a:t> "This is the time" =~ /\</a:t>
+            </a:r>
+            <a:r>
+              <a:rPr lang="en-US" altLang="zh-CN" sz="2600" dirty="0" err="1" smtClean="0">
+                <a:solidFill>
+                  <a:srgbClr val="0070C0"/>
+                </a:solidFill>
+              </a:rPr>
+              <a:t>bis</a:t>
+            </a:r>
+            <a:r>
+              <a:rPr lang="en-US" altLang="zh-CN" sz="2600" dirty="0" smtClean="0">
+                <a:solidFill>
+                  <a:srgbClr val="0070C0"/>
+                </a:solidFill>
+              </a:rPr>
+              <a:t>/	</a:t>
+            </a:r>
+            <a:r>
+              <a:rPr lang="pt-BR" altLang="zh-CN" sz="2600" dirty="0" smtClean="0">
+                <a:solidFill>
+                  <a:srgbClr val="0070C0"/>
+                </a:solidFill>
+              </a:rPr>
+              <a:t>	</a:t>
+            </a:r>
+            <a:r>
+              <a:rPr lang="en-US" altLang="zh-CN" sz="2600" dirty="0" smtClean="0">
+                <a:solidFill>
+                  <a:srgbClr val="0070C0"/>
+                </a:solidFill>
+              </a:rPr>
+              <a:t>=&gt; 5</a:t>
+            </a:r>
+          </a:p>
+          <a:p>
+            <a:endParaRPr lang="en-US" altLang="zh-CN" dirty="0" smtClean="0"/>
+          </a:p>
+          <a:p>
+            <a:endParaRPr lang="en-US" altLang="zh-CN" dirty="0" smtClean="0"/>
+          </a:p>
+          <a:p>
             <a:r>
               <a:rPr lang="en-US" altLang="zh-CN" dirty="0" smtClean="0"/>
-              <a:t>}</a:t>
-            </a:r>
-          </a:p>
-          <a:p>
-            <a:pPr lvl="1"/>
-            <a:r>
-              <a:rPr lang="en-US" altLang="zh-CN" dirty="0" smtClean="0">
-                <a:solidFill>
-                  <a:srgbClr val="0070C0"/>
-                </a:solidFill>
-              </a:rPr>
-              <a:t>"what are you doing?".match /\w{5,}/						=&gt; #&lt;</a:t>
-            </a:r>
-            <a:r>
-              <a:rPr lang="en-US" altLang="zh-CN" dirty="0" err="1" smtClean="0">
-                <a:solidFill>
-                  <a:srgbClr val="0070C0"/>
-                </a:solidFill>
-              </a:rPr>
-              <a:t>MatchData</a:t>
-            </a:r>
-            <a:r>
-              <a:rPr lang="en-US" altLang="zh-CN" dirty="0" smtClean="0">
-                <a:solidFill>
-                  <a:srgbClr val="0070C0"/>
-                </a:solidFill>
-              </a:rPr>
-              <a:t> "doing"&gt;</a:t>
-            </a:r>
-          </a:p>
-          <a:p>
-            <a:r>
-              <a:rPr lang="en-US" altLang="zh-CN" dirty="0" smtClean="0"/>
-              <a:t>*</a:t>
-            </a:r>
-          </a:p>
-          <a:p>
-            <a:pPr lvl="1"/>
-            <a:r>
-              <a:rPr lang="en-US" altLang="zh-CN" dirty="0" smtClean="0">
-                <a:solidFill>
-                  <a:srgbClr val="0070C0"/>
-                </a:solidFill>
-              </a:rPr>
-              <a:t>"yes </a:t>
-            </a:r>
-            <a:r>
-              <a:rPr lang="en-US" altLang="zh-CN" dirty="0" err="1" smtClean="0">
-                <a:solidFill>
-                  <a:srgbClr val="0070C0"/>
-                </a:solidFill>
-              </a:rPr>
-              <a:t>i</a:t>
-            </a:r>
-            <a:r>
-              <a:rPr lang="en-US" altLang="zh-CN" dirty="0" smtClean="0">
-                <a:solidFill>
-                  <a:srgbClr val="0070C0"/>
-                </a:solidFill>
-              </a:rPr>
-              <a:t> </a:t>
-            </a:r>
-            <a:r>
-              <a:rPr lang="en-US" altLang="zh-CN" dirty="0" err="1" smtClean="0">
-                <a:solidFill>
-                  <a:srgbClr val="0070C0"/>
-                </a:solidFill>
-              </a:rPr>
-              <a:t>do".match</a:t>
-            </a:r>
-            <a:r>
-              <a:rPr lang="en-US" altLang="zh-CN" dirty="0" smtClean="0">
-                <a:solidFill>
-                  <a:srgbClr val="0070C0"/>
-                </a:solidFill>
-              </a:rPr>
-              <a:t> /\s.*\s/	=&gt; #&lt;</a:t>
-            </a:r>
-            <a:r>
-              <a:rPr lang="en-US" altLang="zh-CN" dirty="0" err="1" smtClean="0">
-                <a:solidFill>
-                  <a:srgbClr val="0070C0"/>
-                </a:solidFill>
-              </a:rPr>
-              <a:t>MatchData</a:t>
-            </a:r>
-            <a:r>
-              <a:rPr lang="en-US" altLang="zh-CN" dirty="0" smtClean="0">
-                <a:solidFill>
-                  <a:srgbClr val="0070C0"/>
-                </a:solidFill>
-              </a:rPr>
-              <a:t> " </a:t>
-            </a:r>
-            <a:r>
-              <a:rPr lang="en-US" altLang="zh-CN" dirty="0" err="1" smtClean="0">
-                <a:solidFill>
-                  <a:srgbClr val="0070C0"/>
-                </a:solidFill>
-              </a:rPr>
-              <a:t>i</a:t>
-            </a:r>
-            <a:r>
-              <a:rPr lang="en-US" altLang="zh-CN" dirty="0" smtClean="0">
-                <a:solidFill>
-                  <a:srgbClr val="0070C0"/>
-                </a:solidFill>
-              </a:rPr>
-              <a:t> "&gt;</a:t>
-            </a:r>
-          </a:p>
-          <a:p>
-            <a:r>
-              <a:rPr lang="en-US" altLang="zh-CN" dirty="0" smtClean="0"/>
-              <a:t>?</a:t>
-            </a:r>
-          </a:p>
-          <a:p>
-            <a:pPr lvl="1"/>
-            <a:r>
-              <a:rPr lang="en-US" altLang="zh-CN" dirty="0" smtClean="0">
-                <a:solidFill>
-                  <a:srgbClr val="0070C0"/>
-                </a:solidFill>
-              </a:rPr>
-              <a:t>"</a:t>
-            </a:r>
-            <a:r>
-              <a:rPr lang="en-US" altLang="zh-CN" dirty="0" err="1" smtClean="0">
-                <a:solidFill>
-                  <a:srgbClr val="0070C0"/>
-                </a:solidFill>
-              </a:rPr>
-              <a:t>moon".match</a:t>
-            </a:r>
-            <a:r>
-              <a:rPr lang="en-US" altLang="zh-CN" dirty="0" smtClean="0">
-                <a:solidFill>
-                  <a:srgbClr val="0070C0"/>
-                </a:solidFill>
-              </a:rPr>
-              <a:t> /</a:t>
-            </a:r>
-            <a:r>
-              <a:rPr lang="en-US" altLang="zh-CN" dirty="0" err="1" smtClean="0">
-                <a:solidFill>
-                  <a:srgbClr val="0070C0"/>
-                </a:solidFill>
-              </a:rPr>
-              <a:t>o?o</a:t>
-            </a:r>
-            <a:r>
-              <a:rPr lang="en-US" altLang="zh-CN" dirty="0" smtClean="0">
-                <a:solidFill>
-                  <a:srgbClr val="0070C0"/>
-                </a:solidFill>
-              </a:rPr>
-              <a:t>/		=&gt; #&lt;</a:t>
-            </a:r>
-            <a:r>
-              <a:rPr lang="en-US" altLang="zh-CN" dirty="0" err="1" smtClean="0">
-                <a:solidFill>
-                  <a:srgbClr val="0070C0"/>
-                </a:solidFill>
-              </a:rPr>
-              <a:t>MatchData</a:t>
-            </a:r>
-            <a:r>
-              <a:rPr lang="en-US" altLang="zh-CN" dirty="0" smtClean="0">
-                <a:solidFill>
-                  <a:srgbClr val="0070C0"/>
-                </a:solidFill>
-              </a:rPr>
-              <a:t> "</a:t>
-            </a:r>
-            <a:r>
-              <a:rPr lang="en-US" altLang="zh-CN" dirty="0" err="1" smtClean="0">
-                <a:solidFill>
-                  <a:srgbClr val="0070C0"/>
-                </a:solidFill>
-              </a:rPr>
-              <a:t>oo</a:t>
-            </a:r>
-            <a:r>
-              <a:rPr lang="en-US" altLang="zh-CN" dirty="0" smtClean="0">
-                <a:solidFill>
-                  <a:srgbClr val="0070C0"/>
-                </a:solidFill>
-              </a:rPr>
-              <a:t>"&gt;</a:t>
-            </a:r>
-          </a:p>
-          <a:p>
-            <a:r>
-              <a:rPr lang="en-US" altLang="zh-CN" dirty="0" smtClean="0"/>
-              <a:t>+</a:t>
-            </a:r>
-          </a:p>
-          <a:p>
-            <a:pPr lvl="1"/>
-            <a:r>
-              <a:rPr lang="en-US" altLang="zh-CN" dirty="0" smtClean="0">
-                <a:solidFill>
-                  <a:srgbClr val="0070C0"/>
-                </a:solidFill>
-              </a:rPr>
-              <a:t>/\w+/.match("The moon") 	=&gt; #&lt;</a:t>
-            </a:r>
-            <a:r>
-              <a:rPr lang="en-US" altLang="zh-CN" dirty="0" err="1" smtClean="0">
-                <a:solidFill>
-                  <a:srgbClr val="0070C0"/>
-                </a:solidFill>
-              </a:rPr>
-              <a:t>MatchData</a:t>
-            </a:r>
-            <a:r>
-              <a:rPr lang="en-US" altLang="zh-CN" dirty="0" smtClean="0">
-                <a:solidFill>
-                  <a:srgbClr val="0070C0"/>
-                </a:solidFill>
-              </a:rPr>
-              <a:t> "The"&gt;</a:t>
-            </a:r>
+              <a:t>\B</a:t>
+            </a:r>
+          </a:p>
+          <a:p>
+            <a:pPr lvl="1">
+              <a:lnSpc>
+                <a:spcPct val="80000"/>
+              </a:lnSpc>
+            </a:pPr>
+            <a:r>
+              <a:rPr lang="en-US" altLang="zh-CN" sz="2600" dirty="0" smtClean="0">
+                <a:solidFill>
+                  <a:srgbClr val="0070C0"/>
+                </a:solidFill>
+              </a:rPr>
+              <a:t>"This is the time" =~ /\</a:t>
+            </a:r>
+            <a:r>
+              <a:rPr lang="en-US" altLang="zh-CN" sz="2600" dirty="0" err="1" smtClean="0">
+                <a:solidFill>
+                  <a:srgbClr val="0070C0"/>
+                </a:solidFill>
+              </a:rPr>
+              <a:t>Bis</a:t>
+            </a:r>
+            <a:r>
+              <a:rPr lang="en-US" altLang="zh-CN" sz="2600" dirty="0" smtClean="0">
+                <a:solidFill>
+                  <a:srgbClr val="0070C0"/>
+                </a:solidFill>
+              </a:rPr>
+              <a:t>/		=&gt; 2</a:t>
+            </a:r>
+            <a:endParaRPr lang="zh-CN" altLang="en-US" sz="2600" dirty="0">
+              <a:solidFill>
+                <a:srgbClr val="0070C0"/>
+              </a:solidFill>
+            </a:endParaRPr>
           </a:p>
         </p:txBody>
       </p:sp>
@@ -3455,7 +3319,7 @@
     <a:masterClrMapping/>
   </p:clrMapOvr>
   <p:transition spd="slow">
-    <p:pull dir="d"/>
+    <p:fade/>
   </p:transition>
   <p:timing>
     <p:tnLst>
@@ -3501,7 +3365,7 @@
           <a:p>
             <a:r>
               <a:rPr lang="en-US" altLang="zh-CN" dirty="0" smtClean="0"/>
-              <a:t>Grouping</a:t>
+              <a:t>Quantification</a:t>
             </a:r>
             <a:endParaRPr lang="zh-CN" altLang="en-US" dirty="0"/>
           </a:p>
@@ -3519,42 +3383,36 @@
         </p:nvSpPr>
         <p:spPr/>
         <p:txBody>
-          <a:bodyPr/>
+          <a:bodyPr>
+            <a:normAutofit fontScale="92500"/>
+          </a:bodyPr>
           <a:lstStyle/>
           <a:p>
             <a:r>
               <a:rPr lang="en-US" altLang="zh-CN" dirty="0" smtClean="0"/>
-              <a:t>(pattern)</a:t>
+              <a:t>{</a:t>
+            </a:r>
+            <a:r>
+              <a:rPr lang="en-US" altLang="zh-CN" dirty="0" err="1" smtClean="0"/>
+              <a:t>m,n</a:t>
+            </a:r>
+            <a:r>
+              <a:rPr lang="en-US" altLang="zh-CN" dirty="0" smtClean="0"/>
+              <a:t>}</a:t>
             </a:r>
           </a:p>
           <a:p>
             <a:pPr lvl="1"/>
             <a:r>
-              <a:rPr lang="en-US" altLang="zh-CN" sz="2600" dirty="0" smtClean="0">
-                <a:solidFill>
-                  <a:srgbClr val="0070C0"/>
-                </a:solidFill>
-              </a:rPr>
-              <a:t> "12:50am".match /(\d\d):(\d\d)/			</a:t>
-            </a:r>
-            <a:r>
-              <a:rPr lang="en-US" altLang="zh-CN" sz="2600" dirty="0" smtClean="0">
-                <a:solidFill>
-                  <a:srgbClr val="0070C0"/>
-                </a:solidFill>
-              </a:rPr>
-              <a:t>		=&gt; </a:t>
-            </a:r>
-            <a:r>
-              <a:rPr lang="en-US" altLang="zh-CN" sz="2600" dirty="0" smtClean="0">
-                <a:solidFill>
-                  <a:srgbClr val="0070C0"/>
-                </a:solidFill>
-              </a:rPr>
-              <a:t>#&lt;</a:t>
-            </a:r>
-            <a:r>
-              <a:rPr lang="en-US" altLang="zh-CN" sz="2600" dirty="0" err="1" smtClean="0">
+              <a:rPr lang="en-US" altLang="zh-CN" dirty="0" smtClean="0">
+                <a:solidFill>
+                  <a:srgbClr val="0070C0"/>
+                </a:solidFill>
+              </a:rPr>
+              <a:t>"what are you doing?".match /\w{5,}/						=&gt; #&lt;</a:t>
+            </a:r>
+            <a:r>
+              <a:rPr lang="en-US" altLang="zh-CN" dirty="0" err="1" smtClean="0">
                 <a:solidFill>
                   <a:srgbClr val="0070C0"/>
                 </a:solidFill>
@@ -3562,15 +3420,169 @@
               <a:t>MatchData</a:t>
             </a:r>
             <a:r>
-              <a:rPr lang="en-US" altLang="zh-CN" sz="2600" dirty="0" smtClean="0">
-                <a:solidFill>
-                  <a:srgbClr val="0070C0"/>
-                </a:solidFill>
-              </a:rPr>
-              <a:t> "12:50" 1:"12" 2:"50</a:t>
-            </a:r>
-            <a:r>
-              <a:rPr lang="en-US" altLang="zh-CN" sz="2600" dirty="0" smtClean="0">
+              <a:rPr lang="en-US" altLang="zh-CN" dirty="0" smtClean="0">
+                <a:solidFill>
+                  <a:srgbClr val="0070C0"/>
+                </a:solidFill>
+              </a:rPr>
+              <a:t> "doing"&gt;</a:t>
+            </a:r>
+          </a:p>
+          <a:p>
+            <a:r>
+              <a:rPr lang="en-US" altLang="zh-CN" dirty="0" smtClean="0"/>
+              <a:t>*</a:t>
+            </a:r>
+          </a:p>
+          <a:p>
+            <a:pPr lvl="1"/>
+            <a:r>
+              <a:rPr lang="en-US" altLang="zh-CN" dirty="0" smtClean="0">
+                <a:solidFill>
+                  <a:srgbClr val="0070C0"/>
+                </a:solidFill>
+              </a:rPr>
+              <a:t>"yes </a:t>
+            </a:r>
+            <a:r>
+              <a:rPr lang="en-US" altLang="zh-CN" dirty="0" err="1" smtClean="0">
+                <a:solidFill>
+                  <a:srgbClr val="0070C0"/>
+                </a:solidFill>
+              </a:rPr>
+              <a:t>i</a:t>
+            </a:r>
+            <a:r>
+              <a:rPr lang="en-US" altLang="zh-CN" dirty="0" smtClean="0">
+                <a:solidFill>
+                  <a:srgbClr val="0070C0"/>
+                </a:solidFill>
+              </a:rPr>
+              <a:t> </a:t>
+            </a:r>
+            <a:r>
+              <a:rPr lang="en-US" altLang="zh-CN" dirty="0" err="1" smtClean="0">
+                <a:solidFill>
+                  <a:srgbClr val="0070C0"/>
+                </a:solidFill>
+              </a:rPr>
+              <a:t>do".match</a:t>
+            </a:r>
+            <a:r>
+              <a:rPr lang="en-US" altLang="zh-CN" dirty="0" smtClean="0">
+                <a:solidFill>
+                  <a:srgbClr val="0070C0"/>
+                </a:solidFill>
+              </a:rPr>
+              <a:t> /\s.*\s/	=&gt; #&lt;</a:t>
+            </a:r>
+            <a:r>
+              <a:rPr lang="en-US" altLang="zh-CN" dirty="0" err="1" smtClean="0">
+                <a:solidFill>
+                  <a:srgbClr val="0070C0"/>
+                </a:solidFill>
+              </a:rPr>
+              <a:t>MatchData</a:t>
+            </a:r>
+            <a:r>
+              <a:rPr lang="en-US" altLang="zh-CN" dirty="0" smtClean="0">
+                <a:solidFill>
+                  <a:srgbClr val="0070C0"/>
+                </a:solidFill>
+              </a:rPr>
+              <a:t> " </a:t>
+            </a:r>
+            <a:r>
+              <a:rPr lang="en-US" altLang="zh-CN" dirty="0" err="1" smtClean="0">
+                <a:solidFill>
+                  <a:srgbClr val="0070C0"/>
+                </a:solidFill>
+              </a:rPr>
+              <a:t>i</a:t>
+            </a:r>
+            <a:r>
+              <a:rPr lang="en-US" altLang="zh-CN" dirty="0" smtClean="0">
+                <a:solidFill>
+                  <a:srgbClr val="0070C0"/>
+                </a:solidFill>
+              </a:rPr>
+              <a:t> "&gt;</a:t>
+            </a:r>
+          </a:p>
+          <a:p>
+            <a:r>
+              <a:rPr lang="en-US" altLang="zh-CN" dirty="0" smtClean="0"/>
+              <a:t>?</a:t>
+            </a:r>
+          </a:p>
+          <a:p>
+            <a:pPr lvl="1"/>
+            <a:r>
+              <a:rPr lang="en-US" altLang="zh-CN" dirty="0" smtClean="0">
+                <a:solidFill>
+                  <a:srgbClr val="0070C0"/>
+                </a:solidFill>
+              </a:rPr>
+              <a:t>"</a:t>
+            </a:r>
+            <a:r>
+              <a:rPr lang="en-US" altLang="zh-CN" dirty="0" err="1" smtClean="0">
+                <a:solidFill>
+                  <a:srgbClr val="0070C0"/>
+                </a:solidFill>
+              </a:rPr>
+              <a:t>moon".match</a:t>
+            </a:r>
+            <a:r>
+              <a:rPr lang="en-US" altLang="zh-CN" dirty="0" smtClean="0">
+                <a:solidFill>
+                  <a:srgbClr val="0070C0"/>
+                </a:solidFill>
+              </a:rPr>
+              <a:t> /</a:t>
+            </a:r>
+            <a:r>
+              <a:rPr lang="en-US" altLang="zh-CN" dirty="0" err="1" smtClean="0">
+                <a:solidFill>
+                  <a:srgbClr val="0070C0"/>
+                </a:solidFill>
+              </a:rPr>
+              <a:t>o?o</a:t>
+            </a:r>
+            <a:r>
+              <a:rPr lang="en-US" altLang="zh-CN" dirty="0" smtClean="0">
+                <a:solidFill>
+                  <a:srgbClr val="0070C0"/>
+                </a:solidFill>
+              </a:rPr>
+              <a:t>/		=&gt; #&lt;</a:t>
+            </a:r>
+            <a:r>
+              <a:rPr lang="en-US" altLang="zh-CN" dirty="0" err="1" smtClean="0">
+                <a:solidFill>
+                  <a:srgbClr val="0070C0"/>
+                </a:solidFill>
+              </a:rPr>
+              <a:t>MatchData</a:t>
+            </a:r>
+            <a:r>
+              <a:rPr lang="en-US" altLang="zh-CN" dirty="0" smtClean="0">
+                <a:solidFill>
+                  <a:srgbClr val="0070C0"/>
+                </a:solidFill>
+              </a:rPr>
+              <a:t> "</a:t>
+            </a:r>
+            <a:r>
+              <a:rPr lang="en-US" altLang="zh-CN" dirty="0" err="1" smtClean="0">
+                <a:solidFill>
+                  <a:srgbClr val="0070C0"/>
+                </a:solidFill>
+              </a:rPr>
+              <a:t>oo</a:t>
+            </a:r>
+            <a:r>
+              <a:rPr lang="en-US" altLang="zh-CN" dirty="0" smtClean="0">
                 <a:solidFill>
                   <a:srgbClr val="0070C0"/>
                 </a:solidFill>
@@ -3579,87 +3591,37 @@
             </a:r>
           </a:p>
           <a:p>
+            <a:r>
+              <a:rPr lang="en-US" altLang="zh-CN" dirty="0" smtClean="0"/>
+              <a:t>+</a:t>
+            </a:r>
+          </a:p>
+          <a:p>
             <a:pPr lvl="1"/>
-            <a:endParaRPr lang="en-US" altLang="zh-CN" sz="2600" dirty="0" smtClean="0">
-              <a:solidFill>
-                <a:srgbClr val="0070C0"/>
-              </a:solidFill>
-            </a:endParaRPr>
-          </a:p>
-          <a:p>
-            <a:pPr lvl="1"/>
-            <a:r>
-              <a:rPr lang="en-US" altLang="zh-CN" sz="2600" dirty="0" smtClean="0">
-                <a:solidFill>
-                  <a:srgbClr val="0070C0"/>
-                </a:solidFill>
-              </a:rPr>
-              <a:t>"</a:t>
-            </a:r>
-            <a:r>
-              <a:rPr lang="en-US" altLang="zh-CN" sz="2600" dirty="0" err="1" smtClean="0">
-                <a:solidFill>
-                  <a:srgbClr val="0070C0"/>
-                </a:solidFill>
-              </a:rPr>
-              <a:t>mississippi".match</a:t>
-            </a:r>
-            <a:r>
-              <a:rPr lang="en-US" altLang="zh-CN" sz="2600" dirty="0" smtClean="0">
-                <a:solidFill>
-                  <a:srgbClr val="0070C0"/>
-                </a:solidFill>
-              </a:rPr>
-              <a:t> /(\w+)\1</a:t>
-            </a:r>
-            <a:r>
-              <a:rPr lang="en-US" altLang="zh-CN" sz="2600" dirty="0" smtClean="0">
-                <a:solidFill>
-                  <a:srgbClr val="0070C0"/>
-                </a:solidFill>
-              </a:rPr>
-              <a:t>/</a:t>
-            </a:r>
-          </a:p>
-          <a:p>
-            <a:pPr lvl="1"/>
-            <a:endParaRPr lang="en-US" altLang="zh-CN" sz="2600" dirty="0" smtClean="0">
-              <a:solidFill>
-                <a:srgbClr val="0070C0"/>
-              </a:solidFill>
-            </a:endParaRPr>
-          </a:p>
-          <a:p>
-            <a:pPr lvl="1"/>
-            <a:r>
-              <a:rPr lang="en-US" altLang="zh-CN" sz="2600" dirty="0" smtClean="0">
-                <a:solidFill>
-                  <a:srgbClr val="0070C0"/>
-                </a:solidFill>
-              </a:rPr>
-              <a:t>"</a:t>
-            </a:r>
-            <a:r>
-              <a:rPr lang="en-US" altLang="zh-CN" sz="2600" dirty="0" err="1" smtClean="0">
-                <a:solidFill>
-                  <a:srgbClr val="0070C0"/>
-                </a:solidFill>
-              </a:rPr>
-              <a:t>hello".match</a:t>
-            </a:r>
-            <a:r>
-              <a:rPr lang="en-US" altLang="zh-CN" sz="2600" dirty="0" smtClean="0">
-                <a:solidFill>
-                  <a:srgbClr val="0070C0"/>
-                </a:solidFill>
-              </a:rPr>
-              <a:t> /(\w)\1/</a:t>
-            </a:r>
-            <a:endParaRPr lang="zh-CN" altLang="en-US" sz="2600" dirty="0">
-              <a:solidFill>
-                <a:srgbClr val="0070C0"/>
-              </a:solidFill>
-            </a:endParaRPr>
+            <a:r>
+              <a:rPr lang="en-US" altLang="zh-CN" dirty="0" smtClean="0">
+                <a:solidFill>
+                  <a:srgbClr val="0070C0"/>
+                </a:solidFill>
+              </a:rPr>
+              <a:t>/\w+/.match("The moon") 	=&gt; #&lt;</a:t>
+            </a:r>
+            <a:r>
+              <a:rPr lang="en-US" altLang="zh-CN" dirty="0" err="1" smtClean="0">
+                <a:solidFill>
+                  <a:srgbClr val="0070C0"/>
+                </a:solidFill>
+              </a:rPr>
+              <a:t>MatchData</a:t>
+            </a:r>
+            <a:r>
+              <a:rPr lang="en-US" altLang="zh-CN" dirty="0" smtClean="0">
+                <a:solidFill>
+                  <a:srgbClr val="0070C0"/>
+                </a:solidFill>
+              </a:rPr>
+              <a:t> "The"&gt;</a:t>
+            </a:r>
           </a:p>
         </p:txBody>
       </p:sp>
@@ -3669,7 +3631,7 @@
     <a:masterClrMapping/>
   </p:clrMapOvr>
   <p:transition spd="slow">
-    <p:pull dir="d"/>
+    <p:fade/>
   </p:transition>
   <p:timing>
     <p:tnLst>
@@ -3715,7 +3677,7 @@
           <a:p>
             <a:r>
               <a:rPr lang="en-US" altLang="zh-CN" dirty="0" smtClean="0"/>
-              <a:t>Shy Grouping</a:t>
+              <a:t>Grouping</a:t>
             </a:r>
             <a:endParaRPr lang="zh-CN" altLang="en-US" dirty="0"/>
           </a:p>
@@ -3731,33 +3693,28 @@
             <p:ph idx="1"/>
           </p:nvPr>
         </p:nvSpPr>
-        <p:spPr>
-          <a:xfrm>
-            <a:off x="457200" y="1571612"/>
-            <a:ext cx="8229600" cy="4525963"/>
-          </a:xfrm>
-        </p:spPr>
+        <p:spPr/>
         <p:txBody>
           <a:bodyPr/>
           <a:lstStyle/>
           <a:p>
             <a:r>
               <a:rPr lang="en-US" altLang="zh-CN" dirty="0" smtClean="0"/>
-              <a:t>(?:pattern)</a:t>
+              <a:t>(pattern)</a:t>
             </a:r>
           </a:p>
           <a:p>
             <a:pPr lvl="1"/>
             <a:r>
-              <a:rPr lang="en-US" altLang="zh-CN" dirty="0" smtClean="0">
-                <a:solidFill>
-                  <a:srgbClr val="0070C0"/>
-                </a:solidFill>
-              </a:rPr>
-              <a:t>"windows2000".match /windows(?:\d+)/			=&gt; #&lt;</a:t>
-            </a:r>
-            <a:r>
-              <a:rPr lang="en-US" altLang="zh-CN" dirty="0" err="1" smtClean="0">
+              <a:rPr lang="en-US" altLang="zh-CN" sz="2600" dirty="0" smtClean="0">
+                <a:solidFill>
+                  <a:srgbClr val="0070C0"/>
+                </a:solidFill>
+              </a:rPr>
+              <a:t> "12:50am".match /(\d\d):(\d\d)/					=&gt; #&lt;</a:t>
+            </a:r>
+            <a:r>
+              <a:rPr lang="en-US" altLang="zh-CN" sz="2600" dirty="0" err="1" smtClean="0">
                 <a:solidFill>
                   <a:srgbClr val="0070C0"/>
                 </a:solidFill>
@@ -3765,14 +3722,84 @@
               <a:t>MatchData</a:t>
             </a:r>
             <a:r>
-              <a:rPr lang="en-US" altLang="zh-CN" dirty="0" smtClean="0">
-                <a:solidFill>
-                  <a:srgbClr val="0070C0"/>
-                </a:solidFill>
-              </a:rPr>
-              <a:t> "windows2000"&gt;</a:t>
-            </a:r>
-            <a:endParaRPr lang="zh-CN" altLang="en-US" dirty="0">
+              <a:rPr lang="en-US" altLang="zh-CN" sz="2600" dirty="0" smtClean="0">
+                <a:solidFill>
+                  <a:srgbClr val="0070C0"/>
+                </a:solidFill>
+              </a:rPr>
+              <a:t> "12:50" 1:"12" 2:"50"&gt;</a:t>
+            </a:r>
+          </a:p>
+          <a:p>
+            <a:pPr lvl="1"/>
+            <a:endParaRPr lang="en-US" altLang="zh-CN" sz="2600" dirty="0" smtClean="0">
+              <a:solidFill>
+                <a:srgbClr val="0070C0"/>
+              </a:solidFill>
+            </a:endParaRPr>
+          </a:p>
+          <a:p>
+            <a:pPr lvl="1"/>
+            <a:r>
+              <a:rPr lang="en-US" altLang="zh-CN" sz="2600" dirty="0" smtClean="0">
+                <a:solidFill>
+                  <a:srgbClr val="0070C0"/>
+                </a:solidFill>
+              </a:rPr>
+              <a:t>"</a:t>
+            </a:r>
+            <a:r>
+              <a:rPr lang="en-US" altLang="zh-CN" sz="2600" dirty="0" err="1" smtClean="0">
+                <a:solidFill>
+                  <a:srgbClr val="0070C0"/>
+                </a:solidFill>
+              </a:rPr>
+              <a:t>mississippi".match</a:t>
+            </a:r>
+            <a:r>
+              <a:rPr lang="en-US" altLang="zh-CN" sz="2600" dirty="0" smtClean="0">
+                <a:solidFill>
+                  <a:srgbClr val="0070C0"/>
+                </a:solidFill>
+              </a:rPr>
+              <a:t> /(\w+)\1/</a:t>
+            </a:r>
+          </a:p>
+          <a:p>
+            <a:pPr lvl="1"/>
+            <a:endParaRPr lang="en-US" altLang="zh-CN" sz="2600" dirty="0" smtClean="0">
+              <a:solidFill>
+                <a:srgbClr val="0070C0"/>
+              </a:solidFill>
+            </a:endParaRPr>
+          </a:p>
+          <a:p>
+            <a:pPr lvl="1"/>
+            <a:r>
+              <a:rPr lang="en-US" altLang="zh-CN" sz="2600" dirty="0" smtClean="0">
+                <a:solidFill>
+                  <a:srgbClr val="0070C0"/>
+                </a:solidFill>
+              </a:rPr>
+              <a:t>"</a:t>
+            </a:r>
+            <a:r>
+              <a:rPr lang="en-US" altLang="zh-CN" sz="2600" dirty="0" err="1" smtClean="0">
+                <a:solidFill>
+                  <a:srgbClr val="0070C0"/>
+                </a:solidFill>
+              </a:rPr>
+              <a:t>hello".match</a:t>
+            </a:r>
+            <a:r>
+              <a:rPr lang="en-US" altLang="zh-CN" sz="2600" dirty="0" smtClean="0">
+                <a:solidFill>
+                  <a:srgbClr val="0070C0"/>
+                </a:solidFill>
+              </a:rPr>
+              <a:t> /(\w)\1/</a:t>
+            </a:r>
+            <a:endParaRPr lang="zh-CN" altLang="en-US" sz="2600" dirty="0">
               <a:solidFill>
                 <a:srgbClr val="0070C0"/>
               </a:solidFill>
@@ -3786,7 +3813,7 @@
     <a:masterClrMapping/>
   </p:clrMapOvr>
   <p:transition spd="slow">
-    <p:pull dir="d"/>
+    <p:fade/>
   </p:transition>
   <p:timing>
     <p:tnLst>
@@ -3831,8 +3858,8 @@
           <a:lstStyle/>
           <a:p>
             <a:r>
-              <a:rPr lang="en-US" altLang="zh-CN" dirty="0" err="1" smtClean="0"/>
-              <a:t>Lookahead</a:t>
+              <a:rPr lang="en-US" altLang="zh-CN" dirty="0" smtClean="0"/>
+              <a:t>Shy Grouping</a:t>
             </a:r>
             <a:endParaRPr lang="zh-CN" altLang="en-US" dirty="0"/>
           </a:p>
@@ -3848,14 +3875,19 @@
             <p:ph idx="1"/>
           </p:nvPr>
         </p:nvSpPr>
-        <p:spPr/>
-        <p:txBody>
-          <a:bodyPr/>
-          <a:lstStyle/>
-          <a:p>
-            <a:r>
-              <a:rPr lang="en-US" dirty="0" smtClean="0"/>
-              <a:t>(?=pattern)</a:t>
+        <p:spPr>
+          <a:xfrm>
+            <a:off x="457200" y="1571612"/>
+            <a:ext cx="8229600" cy="4525963"/>
+          </a:xfrm>
+        </p:spPr>
+        <p:txBody>
+          <a:bodyPr/>
+          <a:lstStyle/>
+          <a:p>
+            <a:r>
+              <a:rPr lang="en-US" altLang="zh-CN" dirty="0" smtClean="0"/>
+              <a:t>(?:pattern)</a:t>
             </a:r>
           </a:p>
           <a:p>
@@ -3866,7 +3898,7 @@
                   <a:srgbClr val="0070C0"/>
                 </a:solidFill>
               </a:rPr>
-              <a:t>"windows2000".match /windows(?=\d+)/				=&gt; #&lt;</a:t>
+              <a:t>"windows2000".match /windows(?:\d+)/			=&gt; #&lt;</a:t>
             </a:r>
             <a:r>
               <a:rPr lang="en-US" altLang="zh-CN" dirty="0" err="1" smtClean="0">
@@ -3882,7 +3914,7 @@
                   <a:srgbClr val="0070C0"/>
                 </a:solidFill>
               </a:rPr>
-              <a:t> "windows"&gt;</a:t>
+              <a:t> "windows2000"&gt;</a:t>
             </a:r>
             <a:endParaRPr lang="zh-CN" altLang="en-US" dirty="0">
               <a:solidFill>
@@ -3898,7 +3930,7 @@
     <a:masterClrMapping/>
   </p:clrMapOvr>
   <p:transition spd="slow">
-    <p:pull dir="d"/>
+    <p:fade/>
   </p:transition>
   <p:timing>
     <p:tnLst>
@@ -3943,10 +3975,6 @@
           <a:lstStyle/>
           <a:p>
             <a:r>
-              <a:rPr lang="en-US" altLang="zh-CN" dirty="0" smtClean="0"/>
-              <a:t>Negative </a:t>
-            </a:r>
-            <a:r>
               <a:rPr lang="en-US" altLang="zh-CN" dirty="0" err="1" smtClean="0"/>
               <a:t>Lookahead</a:t>
             </a:r>
@@ -3970,8 +3998,8 @@
           <a:lstStyle/>
           <a:p>
             <a:r>
-              <a:rPr lang="en-US" altLang="zh-CN" dirty="0" smtClean="0"/>
-              <a:t>(?!pattern)</a:t>
+              <a:rPr lang="en-US" dirty="0" smtClean="0"/>
+              <a:t>(?=pattern)</a:t>
             </a:r>
           </a:p>
           <a:p>
@@ -3982,23 +4010,7 @@
                   <a:srgbClr val="0070C0"/>
                 </a:solidFill>
               </a:rPr>
-              <a:t>"</a:t>
-            </a:r>
-            <a:r>
-              <a:rPr lang="en-US" altLang="zh-CN" dirty="0" err="1" smtClean="0">
-                <a:solidFill>
-                  <a:srgbClr val="0070C0"/>
-                </a:solidFill>
-              </a:rPr>
-              <a:t>windowsCE".match</a:t>
-            </a:r>
-            <a:r>
-              <a:rPr lang="en-US" altLang="zh-CN" dirty="0" smtClean="0">
-                <a:solidFill>
-                  <a:srgbClr val="0070C0"/>
-                </a:solidFill>
-              </a:rPr>
-              <a:t> /windows(?!\d+)/				=&gt; #&lt;</a:t>
+              <a:t>"windows2000".match /windows(?=\d+)/				=&gt; #&lt;</a:t>
             </a:r>
             <a:r>
               <a:rPr lang="en-US" altLang="zh-CN" dirty="0" err="1" smtClean="0">
@@ -4030,7 +4042,7 @@
     <a:masterClrMapping/>
   </p:clrMapOvr>
   <p:transition spd="slow">
-    <p:pull dir="d"/>
+    <p:fade/>
   </p:transition>
   <p:timing>
     <p:tnLst>
@@ -4075,8 +4087,12 @@
           <a:lstStyle/>
           <a:p>
             <a:r>
+              <a:rPr lang="en-US" altLang="zh-CN" dirty="0" smtClean="0"/>
+              <a:t>Negative </a:t>
+            </a:r>
+            <a:r>
               <a:rPr lang="en-US" altLang="zh-CN" dirty="0" err="1" smtClean="0"/>
-              <a:t>Lookbehind</a:t>
+              <a:t>Lookahead</a:t>
             </a:r>
             <a:endParaRPr lang="zh-CN" altLang="en-US" dirty="0"/>
           </a:p>
@@ -4099,7 +4115,7 @@
           <a:p>
             <a:r>
               <a:rPr lang="en-US" altLang="zh-CN" dirty="0" smtClean="0"/>
-              <a:t>(?&lt;=pattern)</a:t>
+              <a:t>(?!pattern)</a:t>
             </a:r>
           </a:p>
           <a:p>
@@ -4118,7 +4134,7 @@
                   <a:srgbClr val="0070C0"/>
                 </a:solidFill>
               </a:rPr>
-              <a:t>JRuby".match</a:t>
+              <a:t>windowsCE".match</a:t>
             </a:r>
             <a:r>
               <a:rPr lang="en-US" altLang="zh-CN" dirty="0" smtClean="0">
@@ -4126,7 +4142,7 @@
                   <a:srgbClr val="0070C0"/>
                 </a:solidFill>
               </a:rPr>
-              <a:t> /(?&lt;=J)Ruby/ 					=&gt; #&lt;</a:t>
+              <a:t> /windows(?!\d+)/				=&gt; #&lt;</a:t>
             </a:r>
             <a:r>
               <a:rPr lang="en-US" altLang="zh-CN" dirty="0" err="1" smtClean="0">
@@ -4142,7 +4158,7 @@
                   <a:srgbClr val="0070C0"/>
                 </a:solidFill>
               </a:rPr>
-              <a:t> "Ruby"&gt;</a:t>
+              <a:t> "windows"&gt;</a:t>
             </a:r>
             <a:endParaRPr lang="zh-CN" altLang="en-US" dirty="0">
               <a:solidFill>
@@ -4158,7 +4174,7 @@
     <a:masterClrMapping/>
   </p:clrMapOvr>
   <p:transition spd="slow">
-    <p:pull dir="d"/>
+    <p:fade/>
   </p:transition>
   <p:timing>
     <p:tnLst>
@@ -4203,10 +4219,6 @@
           <a:lstStyle/>
           <a:p>
             <a:r>
-              <a:rPr lang="en-US" altLang="zh-CN" dirty="0" smtClean="0"/>
-              <a:t>Negative </a:t>
-            </a:r>
-            <a:r>
               <a:rPr lang="en-US" altLang="zh-CN" dirty="0" err="1" smtClean="0"/>
               <a:t>Lookbehind</a:t>
             </a:r>
@@ -4231,7 +4243,7 @@
           <a:p>
             <a:r>
               <a:rPr lang="en-US" altLang="zh-CN" dirty="0" smtClean="0"/>
-              <a:t>(?&lt;!pattern)</a:t>
+              <a:t>(?&lt;=pattern)</a:t>
             </a:r>
           </a:p>
           <a:p>
@@ -4242,7 +4254,7 @@
                   <a:srgbClr val="0070C0"/>
                 </a:solidFill>
               </a:rPr>
-              <a:t> "</a:t>
+              <a:t>"</a:t>
             </a:r>
             <a:r>
               <a:rPr lang="en-US" altLang="zh-CN" dirty="0" err="1" smtClean="0">
@@ -4258,7 +4270,7 @@
                   <a:srgbClr val="0070C0"/>
                 </a:solidFill>
               </a:rPr>
-              <a:t> /(?&lt;!Iron)Ruby/						=&gt; #&lt;</a:t>
+              <a:t> /(?&lt;=J)Ruby/ 					=&gt; #&lt;</a:t>
             </a:r>
             <a:r>
               <a:rPr lang="en-US" altLang="zh-CN" dirty="0" err="1" smtClean="0">
@@ -4290,7 +4302,7 @@
     <a:masterClrMapping/>
   </p:clrMapOvr>
   <p:transition spd="slow">
-    <p:pull dir="d"/>
+    <p:fade/>
   </p:transition>
   <p:timing>
     <p:tnLst>
@@ -4336,7 +4348,11 @@
           <a:p>
             <a:r>
               <a:rPr lang="en-US" altLang="zh-CN" dirty="0" smtClean="0"/>
-              <a:t>Comment</a:t>
+              <a:t>Negative </a:t>
+            </a:r>
+            <a:r>
+              <a:rPr lang="en-US" altLang="zh-CN" dirty="0" err="1" smtClean="0"/>
+              <a:t>Lookbehind</a:t>
             </a:r>
             <a:endParaRPr lang="zh-CN" altLang="en-US" dirty="0"/>
           </a:p>
@@ -4358,18 +4374,57 @@
           <a:lstStyle/>
           <a:p>
             <a:r>
-              <a:rPr lang="en-US" dirty="0" smtClean="0"/>
-              <a:t>(?#</a:t>
-            </a:r>
-            <a:r>
-              <a:rPr lang="en-US" i="1" dirty="0" smtClean="0"/>
-              <a:t>text</a:t>
-            </a:r>
-            <a:r>
-              <a:rPr lang="en-US" dirty="0" smtClean="0"/>
-              <a:t>)</a:t>
-            </a:r>
-            <a:endParaRPr lang="zh-CN" altLang="en-US" dirty="0"/>
+              <a:rPr lang="en-US" altLang="zh-CN" dirty="0" smtClean="0"/>
+              <a:t>(?&lt;!pattern)</a:t>
+            </a:r>
+          </a:p>
+          <a:p>
+            <a:pPr lvl="1"/>
+            <a:r>
+              <a:rPr lang="en-US" altLang="zh-CN" dirty="0" smtClean="0">
+                <a:solidFill>
+                  <a:srgbClr val="0070C0"/>
+                </a:solidFill>
+              </a:rPr>
+              <a:t> "</a:t>
+            </a:r>
+            <a:r>
+              <a:rPr lang="en-US" altLang="zh-CN" dirty="0" err="1" smtClean="0">
+                <a:solidFill>
+                  <a:srgbClr val="0070C0"/>
+                </a:solidFill>
+              </a:rPr>
+              <a:t>JRuby".match</a:t>
+            </a:r>
+            <a:r>
+              <a:rPr lang="en-US" altLang="zh-CN" dirty="0" smtClean="0">
+                <a:solidFill>
+                  <a:srgbClr val="0070C0"/>
+                </a:solidFill>
+              </a:rPr>
+              <a:t> /(?&lt;!Iron)Ruby/						=&gt; #&lt;</a:t>
+            </a:r>
+            <a:r>
+              <a:rPr lang="en-US" altLang="zh-CN" dirty="0" err="1" smtClean="0">
+                <a:solidFill>
+                  <a:srgbClr val="0070C0"/>
+                </a:solidFill>
+              </a:rPr>
+              <a:t>MatchData</a:t>
+            </a:r>
+            <a:r>
+              <a:rPr lang="en-US" altLang="zh-CN" dirty="0" smtClean="0">
+                <a:solidFill>
+                  <a:srgbClr val="0070C0"/>
+                </a:solidFill>
+              </a:rPr>
+              <a:t> "Ruby"&gt;</a:t>
+            </a:r>
+            <a:endParaRPr lang="zh-CN" altLang="en-US" dirty="0">
+              <a:solidFill>
+                <a:srgbClr val="0070C0"/>
+              </a:solidFill>
+            </a:endParaRPr>
           </a:p>
         </p:txBody>
       </p:sp>
@@ -4379,7 +4434,7 @@
     <a:masterClrMapping/>
   </p:clrMapOvr>
   <p:transition spd="slow">
-    <p:pull dir="d"/>
+    <p:fade/>
   </p:transition>
   <p:timing>
     <p:tnLst>
@@ -4425,7 +4480,7 @@
           <a:p>
             <a:r>
               <a:rPr lang="en-US" altLang="zh-CN" dirty="0" smtClean="0"/>
-              <a:t>Case Sensitive/Insensitive</a:t>
+              <a:t>Comment</a:t>
             </a:r>
             <a:endParaRPr lang="zh-CN" altLang="en-US" dirty="0"/>
           </a:p>
@@ -4447,271 +4502,18 @@
           <a:lstStyle/>
           <a:p>
             <a:r>
-              <a:rPr lang="en-US" altLang="zh-CN" dirty="0" smtClean="0"/>
-              <a:t>(?</a:t>
-            </a:r>
-            <a:r>
-              <a:rPr lang="en-US" altLang="zh-CN" dirty="0" err="1" smtClean="0"/>
-              <a:t>i</a:t>
-            </a:r>
-            <a:r>
-              <a:rPr lang="en-US" altLang="zh-CN" dirty="0" smtClean="0"/>
+              <a:rPr lang="en-US" dirty="0" smtClean="0"/>
+              <a:t>(?#</a:t>
+            </a:r>
+            <a:r>
+              <a:rPr lang="en-US" i="1" dirty="0" smtClean="0"/>
+              <a:t>text</a:t>
+            </a:r>
+            <a:r>
+              <a:rPr lang="en-US" dirty="0" smtClean="0"/>
               <a:t>)</a:t>
             </a:r>
-          </a:p>
-          <a:p>
-            <a:pPr lvl="1"/>
-            <a:r>
-              <a:rPr lang="en-US" altLang="zh-CN" dirty="0" smtClean="0">
-                <a:solidFill>
-                  <a:srgbClr val="0070C0"/>
-                </a:solidFill>
-              </a:rPr>
-              <a:t>"</a:t>
-            </a:r>
-            <a:r>
-              <a:rPr lang="en-US" altLang="zh-CN" dirty="0" err="1" smtClean="0">
-                <a:solidFill>
-                  <a:srgbClr val="0070C0"/>
-                </a:solidFill>
-              </a:rPr>
-              <a:t>ABC".match</a:t>
-            </a:r>
-            <a:r>
-              <a:rPr lang="en-US" altLang="zh-CN" dirty="0" smtClean="0">
-                <a:solidFill>
-                  <a:srgbClr val="0070C0"/>
-                </a:solidFill>
-              </a:rPr>
-              <a:t> /</a:t>
-            </a:r>
-            <a:r>
-              <a:rPr lang="en-US" altLang="zh-CN" dirty="0" err="1" smtClean="0">
-                <a:solidFill>
-                  <a:srgbClr val="0070C0"/>
-                </a:solidFill>
-              </a:rPr>
-              <a:t>abc</a:t>
-            </a:r>
-            <a:r>
-              <a:rPr lang="en-US" altLang="zh-CN" dirty="0" smtClean="0">
-                <a:solidFill>
-                  <a:srgbClr val="0070C0"/>
-                </a:solidFill>
-              </a:rPr>
-              <a:t>/</a:t>
-            </a:r>
-            <a:r>
-              <a:rPr lang="en-US" altLang="zh-CN" dirty="0" err="1" smtClean="0">
-                <a:solidFill>
-                  <a:srgbClr val="0070C0"/>
-                </a:solidFill>
-              </a:rPr>
-              <a:t>i</a:t>
-            </a:r>
-            <a:r>
-              <a:rPr lang="en-US" altLang="zh-CN" dirty="0" smtClean="0">
-                <a:solidFill>
-                  <a:srgbClr val="0070C0"/>
-                </a:solidFill>
-              </a:rPr>
-              <a:t>	     =&gt; #&lt;</a:t>
-            </a:r>
-            <a:r>
-              <a:rPr lang="en-US" altLang="zh-CN" dirty="0" err="1" smtClean="0">
-                <a:solidFill>
-                  <a:srgbClr val="0070C0"/>
-                </a:solidFill>
-              </a:rPr>
-              <a:t>MatchData</a:t>
-            </a:r>
-            <a:r>
-              <a:rPr lang="en-US" altLang="zh-CN" dirty="0" smtClean="0">
-                <a:solidFill>
-                  <a:srgbClr val="0070C0"/>
-                </a:solidFill>
-              </a:rPr>
-              <a:t> "ABC</a:t>
-            </a:r>
-            <a:r>
-              <a:rPr lang="en-US" altLang="zh-CN" dirty="0" smtClean="0">
-                <a:solidFill>
-                  <a:srgbClr val="0070C0"/>
-                </a:solidFill>
-              </a:rPr>
-              <a:t>"&gt;</a:t>
-            </a:r>
-          </a:p>
-          <a:p>
-            <a:pPr lvl="1"/>
-            <a:endParaRPr lang="en-US" altLang="zh-CN" dirty="0" smtClean="0">
-              <a:solidFill>
-                <a:srgbClr val="0070C0"/>
-              </a:solidFill>
-            </a:endParaRPr>
-          </a:p>
-          <a:p>
-            <a:pPr lvl="1"/>
-            <a:r>
-              <a:rPr lang="en-US" altLang="zh-CN" dirty="0" smtClean="0">
-                <a:solidFill>
-                  <a:srgbClr val="0070C0"/>
-                </a:solidFill>
-              </a:rPr>
-              <a:t>"</a:t>
-            </a:r>
-            <a:r>
-              <a:rPr lang="en-US" altLang="zh-CN" dirty="0" err="1" smtClean="0">
-                <a:solidFill>
-                  <a:srgbClr val="0070C0"/>
-                </a:solidFill>
-              </a:rPr>
-              <a:t>ABC".match</a:t>
-            </a:r>
-            <a:r>
-              <a:rPr lang="en-US" altLang="zh-CN" dirty="0" smtClean="0">
-                <a:solidFill>
-                  <a:srgbClr val="0070C0"/>
-                </a:solidFill>
-              </a:rPr>
-              <a:t> /(?</a:t>
-            </a:r>
-            <a:r>
-              <a:rPr lang="en-US" altLang="zh-CN" dirty="0" err="1" smtClean="0">
-                <a:solidFill>
-                  <a:srgbClr val="0070C0"/>
-                </a:solidFill>
-              </a:rPr>
-              <a:t>i</a:t>
-            </a:r>
-            <a:r>
-              <a:rPr lang="en-US" altLang="zh-CN" dirty="0" smtClean="0">
-                <a:solidFill>
-                  <a:srgbClr val="0070C0"/>
-                </a:solidFill>
-              </a:rPr>
-              <a:t>)</a:t>
-            </a:r>
-            <a:r>
-              <a:rPr lang="en-US" altLang="zh-CN" dirty="0" err="1" smtClean="0">
-                <a:solidFill>
-                  <a:srgbClr val="0070C0"/>
-                </a:solidFill>
-              </a:rPr>
-              <a:t>abc</a:t>
-            </a:r>
-            <a:r>
-              <a:rPr lang="en-US" altLang="zh-CN" dirty="0" smtClean="0">
-                <a:solidFill>
-                  <a:srgbClr val="0070C0"/>
-                </a:solidFill>
-              </a:rPr>
-              <a:t>/</a:t>
-            </a:r>
-          </a:p>
-          <a:p>
-            <a:pPr lvl="1">
-              <a:buNone/>
-            </a:pPr>
-            <a:endParaRPr lang="en-US" altLang="zh-CN" dirty="0" smtClean="0">
-              <a:solidFill>
-                <a:srgbClr val="0070C0"/>
-              </a:solidFill>
-            </a:endParaRPr>
-          </a:p>
-          <a:p>
-            <a:r>
-              <a:rPr lang="en-US" altLang="zh-CN" dirty="0" smtClean="0"/>
-              <a:t>(?-</a:t>
-            </a:r>
-            <a:r>
-              <a:rPr lang="en-US" altLang="zh-CN" dirty="0" err="1" smtClean="0"/>
-              <a:t>i</a:t>
-            </a:r>
-            <a:r>
-              <a:rPr lang="en-US" altLang="zh-CN" dirty="0" smtClean="0"/>
-              <a:t>)</a:t>
-            </a:r>
-          </a:p>
-          <a:p>
-            <a:pPr lvl="1"/>
-            <a:r>
-              <a:rPr lang="en-US" altLang="zh-CN" dirty="0" smtClean="0">
-                <a:solidFill>
-                  <a:srgbClr val="0070C0"/>
-                </a:solidFill>
-              </a:rPr>
-              <a:t> "</a:t>
-            </a:r>
-            <a:r>
-              <a:rPr lang="en-US" altLang="zh-CN" dirty="0" err="1" smtClean="0">
-                <a:solidFill>
-                  <a:srgbClr val="0070C0"/>
-                </a:solidFill>
-              </a:rPr>
-              <a:t>ABCabc".match</a:t>
-            </a:r>
-            <a:r>
-              <a:rPr lang="en-US" altLang="zh-CN" dirty="0" smtClean="0">
-                <a:solidFill>
-                  <a:srgbClr val="0070C0"/>
-                </a:solidFill>
-              </a:rPr>
-              <a:t> /(?</a:t>
-            </a:r>
-            <a:r>
-              <a:rPr lang="en-US" altLang="zh-CN" dirty="0" err="1" smtClean="0">
-                <a:solidFill>
-                  <a:srgbClr val="0070C0"/>
-                </a:solidFill>
-              </a:rPr>
-              <a:t>i</a:t>
-            </a:r>
-            <a:r>
-              <a:rPr lang="en-US" altLang="zh-CN" dirty="0" smtClean="0">
-                <a:solidFill>
-                  <a:srgbClr val="0070C0"/>
-                </a:solidFill>
-              </a:rPr>
-              <a:t>)</a:t>
-            </a:r>
-            <a:r>
-              <a:rPr lang="en-US" altLang="zh-CN" dirty="0" err="1" smtClean="0">
-                <a:solidFill>
-                  <a:srgbClr val="0070C0"/>
-                </a:solidFill>
-              </a:rPr>
-              <a:t>abc</a:t>
-            </a:r>
-            <a:r>
-              <a:rPr lang="en-US" altLang="zh-CN" dirty="0" smtClean="0">
-                <a:solidFill>
-                  <a:srgbClr val="0070C0"/>
-                </a:solidFill>
-              </a:rPr>
-              <a:t>(?-</a:t>
-            </a:r>
-            <a:r>
-              <a:rPr lang="en-US" altLang="zh-CN" dirty="0" err="1" smtClean="0">
-                <a:solidFill>
-                  <a:srgbClr val="0070C0"/>
-                </a:solidFill>
-              </a:rPr>
-              <a:t>i</a:t>
-            </a:r>
-            <a:r>
-              <a:rPr lang="en-US" altLang="zh-CN" dirty="0" smtClean="0">
-                <a:solidFill>
-                  <a:srgbClr val="0070C0"/>
-                </a:solidFill>
-              </a:rPr>
-              <a:t>)ABC/</a:t>
-            </a:r>
-            <a:endParaRPr lang="zh-CN" altLang="en-US" dirty="0">
-              <a:solidFill>
-                <a:srgbClr val="0070C0"/>
-              </a:solidFill>
-            </a:endParaRPr>
+            <a:endParaRPr lang="zh-CN" altLang="en-US" dirty="0"/>
           </a:p>
         </p:txBody>
       </p:sp>
@@ -4721,7 +4523,7 @@
     <a:masterClrMapping/>
   </p:clrMapOvr>
   <p:transition spd="slow">
-    <p:pull dir="d"/>
+    <p:fade/>
   </p:transition>
   <p:timing>
     <p:tnLst>
@@ -4765,7 +4567,11 @@
           <a:bodyPr/>
           <a:lstStyle/>
           <a:p>
-            <a:endParaRPr lang="zh-CN" altLang="en-US"/>
+            <a:r>
+              <a:rPr lang="en-US" altLang="zh-CN" dirty="0" smtClean="0"/>
+              <a:t>Case Sensitive/Insensitive</a:t>
+            </a:r>
+            <a:endParaRPr lang="zh-CN" altLang="en-US" dirty="0"/>
           </a:p>
         </p:txBody>
       </p:sp>
@@ -4781,18 +4587,20 @@
         </p:nvSpPr>
         <p:spPr/>
         <p:txBody>
-          <a:bodyPr>
-            <a:normAutofit/>
-          </a:bodyPr>
+          <a:bodyPr/>
           <a:lstStyle/>
           <a:p>
             <a:r>
               <a:rPr lang="en-US" altLang="zh-CN" dirty="0" smtClean="0"/>
-              <a:t>(?s)	</a:t>
-            </a:r>
-            <a:r>
-              <a:rPr lang="en-US" altLang="zh-CN" sz="2800" dirty="0" smtClean="0"/>
-              <a:t>[(?m) in ruby]</a:t>
+              <a:t>(?</a:t>
+            </a:r>
+            <a:r>
+              <a:rPr lang="en-US" altLang="zh-CN" dirty="0" err="1" smtClean="0"/>
+              <a:t>i</a:t>
+            </a:r>
+            <a:r>
+              <a:rPr lang="en-US" altLang="zh-CN" dirty="0" smtClean="0"/>
+              <a:t>)</a:t>
             </a:r>
           </a:p>
           <a:p>
@@ -4803,7 +4611,7 @@
                   <a:srgbClr val="0070C0"/>
                 </a:solidFill>
               </a:rPr>
-              <a:t>/a.*b/.match "</a:t>
+              <a:t>"</a:t>
             </a:r>
             <a:r>
               <a:rPr lang="en-US" altLang="zh-CN" dirty="0" err="1" smtClean="0">
@@ -4811,7 +4619,7 @@
                   <a:srgbClr val="0070C0"/>
                 </a:solidFill>
               </a:rPr>
-              <a:t>az</a:t>
+              <a:t>ABC".match</a:t>
             </a:r>
             <a:r>
               <a:rPr lang="en-US" altLang="zh-CN" dirty="0" smtClean="0">
@@ -4819,7 +4627,7 @@
                   <a:srgbClr val="0070C0"/>
                 </a:solidFill>
               </a:rPr>
-              <a:t>\</a:t>
+              <a:t> /</a:t>
             </a:r>
             <a:r>
               <a:rPr lang="en-US" altLang="zh-CN" dirty="0" err="1" smtClean="0">
@@ -4827,7 +4635,7 @@
                   <a:srgbClr val="0070C0"/>
                 </a:solidFill>
               </a:rPr>
-              <a:t>nzb</a:t>
+              <a:t>abc</a:t>
             </a:r>
             <a:r>
               <a:rPr lang="en-US" altLang="zh-CN" dirty="0" smtClean="0">
@@ -4835,7 +4643,15 @@
                   <a:srgbClr val="0070C0"/>
                 </a:solidFill>
               </a:rPr>
-              <a:t>"	=&gt; </a:t>
+              <a:t>/</a:t>
+            </a:r>
+            <a:r>
+              <a:rPr lang="en-US" altLang="zh-CN" dirty="0" err="1" smtClean="0">
+                <a:solidFill>
+                  <a:srgbClr val="0070C0"/>
+                </a:solidFill>
+              </a:rPr>
+              <a:t>i</a:t>
             </a:r>
             <a:r>
               <a:rPr lang="en-US" altLang="zh-CN" dirty="0" smtClean="0">
@@ -4843,7 +4659,23 @@
                   <a:srgbClr val="0070C0"/>
                 </a:solidFill>
               </a:rPr>
-              <a:t>nil</a:t>
+              <a:t>	     =&gt; #&lt;</a:t>
+            </a:r>
+            <a:r>
+              <a:rPr lang="en-US" altLang="zh-CN" dirty="0" err="1" smtClean="0">
+                <a:solidFill>
+                  <a:srgbClr val="0070C0"/>
+                </a:solidFill>
+              </a:rPr>
+              <a:t>MatchData</a:t>
+            </a:r>
+            <a:r>
+              <a:rPr lang="en-US" altLang="zh-CN" dirty="0" smtClean="0">
+                <a:solidFill>
+                  <a:srgbClr val="0070C0"/>
+                </a:solidFill>
+              </a:rPr>
+              <a:t> "ABC"&gt;</a:t>
             </a:r>
           </a:p>
           <a:p>
@@ -4862,7 +4694,7 @@
                   <a:srgbClr val="0070C0"/>
                 </a:solidFill>
               </a:rPr>
-              <a:t>/a.*b/</a:t>
+              <a:t>"</a:t>
             </a:r>
             <a:r>
               <a:rPr lang="en-US" altLang="zh-CN" dirty="0" err="1" smtClean="0">
@@ -4870,7 +4702,7 @@
                   <a:srgbClr val="0070C0"/>
                 </a:solidFill>
               </a:rPr>
-              <a:t>m.match</a:t>
+              <a:t>ABC".match</a:t>
             </a:r>
             <a:r>
               <a:rPr lang="en-US" altLang="zh-CN" dirty="0" smtClean="0">
@@ -4878,7 +4710,7 @@
                   <a:srgbClr val="0070C0"/>
                 </a:solidFill>
               </a:rPr>
-              <a:t> "</a:t>
+              <a:t> /(?</a:t>
             </a:r>
             <a:r>
               <a:rPr lang="en-US" altLang="zh-CN" dirty="0" err="1" smtClean="0">
@@ -4886,7 +4718,7 @@
                   <a:srgbClr val="0070C0"/>
                 </a:solidFill>
               </a:rPr>
-              <a:t>az</a:t>
+              <a:t>i</a:t>
             </a:r>
             <a:r>
               <a:rPr lang="en-US" altLang="zh-CN" dirty="0" smtClean="0">
@@ -4894,7 +4726,7 @@
                   <a:srgbClr val="0070C0"/>
                 </a:solidFill>
               </a:rPr>
-              <a:t>\</a:t>
+              <a:t>)</a:t>
             </a:r>
             <a:r>
               <a:rPr lang="en-US" altLang="zh-CN" dirty="0" err="1" smtClean="0">
@@ -4902,7 +4734,7 @@
                   <a:srgbClr val="0070C0"/>
                 </a:solidFill>
               </a:rPr>
-              <a:t>nzb</a:t>
+              <a:t>abc</a:t>
             </a:r>
             <a:r>
               <a:rPr lang="en-US" altLang="zh-CN" dirty="0" smtClean="0">
@@ -4910,59 +4742,13 @@
                   <a:srgbClr val="0070C0"/>
                 </a:solidFill>
               </a:rPr>
-              <a:t>"        						=&gt; #&lt;</a:t>
-            </a:r>
-            <a:r>
-              <a:rPr lang="en-US" altLang="zh-CN" dirty="0" err="1" smtClean="0">
-                <a:solidFill>
-                  <a:srgbClr val="0070C0"/>
-                </a:solidFill>
-              </a:rPr>
-              <a:t>MatchData</a:t>
-            </a:r>
-            <a:r>
-              <a:rPr lang="en-US" altLang="zh-CN" dirty="0" smtClean="0">
-                <a:solidFill>
-                  <a:srgbClr val="0070C0"/>
-                </a:solidFill>
-              </a:rPr>
-              <a:t> "</a:t>
-            </a:r>
-            <a:r>
-              <a:rPr lang="en-US" altLang="zh-CN" dirty="0" err="1" smtClean="0">
-                <a:solidFill>
-                  <a:srgbClr val="0070C0"/>
-                </a:solidFill>
-              </a:rPr>
-              <a:t>az</a:t>
-            </a:r>
-            <a:r>
-              <a:rPr lang="en-US" altLang="zh-CN" dirty="0" smtClean="0">
-                <a:solidFill>
-                  <a:srgbClr val="0070C0"/>
-                </a:solidFill>
-              </a:rPr>
-              <a:t>\</a:t>
-            </a:r>
-            <a:r>
-              <a:rPr lang="en-US" altLang="zh-CN" dirty="0" err="1" smtClean="0">
-                <a:solidFill>
-                  <a:srgbClr val="0070C0"/>
-                </a:solidFill>
-              </a:rPr>
-              <a:t>nzb</a:t>
-            </a:r>
-            <a:r>
-              <a:rPr lang="en-US" altLang="zh-CN" dirty="0" smtClean="0">
-                <a:solidFill>
-                  <a:srgbClr val="0070C0"/>
-                </a:solidFill>
-              </a:rPr>
-              <a:t>"&gt;</a:t>
-            </a:r>
-          </a:p>
-          <a:p>
-            <a:pPr lvl="1"/>
+              <a:t>/</a:t>
+            </a:r>
+          </a:p>
+          <a:p>
+            <a:pPr lvl="1">
+              <a:buNone/>
+            </a:pPr>
             <a:endParaRPr lang="en-US" altLang="zh-CN" dirty="0" smtClean="0">
               <a:solidFill>
                 <a:srgbClr val="0070C0"/>
@@ -4970,6 +4756,20 @@
             </a:endParaRPr>
           </a:p>
           <a:p>
+            <a:r>
+              <a:rPr lang="en-US" altLang="zh-CN" dirty="0" smtClean="0"/>
+              <a:t>(?-</a:t>
+            </a:r>
+            <a:r>
+              <a:rPr lang="en-US" altLang="zh-CN" dirty="0" err="1" smtClean="0"/>
+              <a:t>i</a:t>
+            </a:r>
+            <a:r>
+              <a:rPr lang="en-US" altLang="zh-CN" dirty="0" smtClean="0"/>
+              <a:t>)</a:t>
+            </a:r>
+          </a:p>
+          <a:p>
             <a:pPr lvl="1"/>
             <a:r>
               <a:rPr lang="en-US" altLang="zh-CN" dirty="0" smtClean="0">
@@ -4977,7 +4777,7 @@
                   <a:srgbClr val="0070C0"/>
                 </a:solidFill>
               </a:rPr>
-              <a:t> /(?m)a.*b/.match "</a:t>
+              <a:t> "</a:t>
             </a:r>
             <a:r>
               <a:rPr lang="en-US" altLang="zh-CN" dirty="0" err="1" smtClean="0">
@@ -4985,7 +4785,7 @@
                   <a:srgbClr val="0070C0"/>
                 </a:solidFill>
               </a:rPr>
-              <a:t>az</a:t>
+              <a:t>ABCabc".match</a:t>
             </a:r>
             <a:r>
               <a:rPr lang="en-US" altLang="zh-CN" dirty="0" smtClean="0">
@@ -4993,7 +4793,7 @@
                   <a:srgbClr val="0070C0"/>
                 </a:solidFill>
               </a:rPr>
-              <a:t>\</a:t>
+              <a:t> /(?</a:t>
             </a:r>
             <a:r>
               <a:rPr lang="en-US" altLang="zh-CN" dirty="0" err="1" smtClean="0">
@@ -5001,7 +4801,7 @@
                   <a:srgbClr val="0070C0"/>
                 </a:solidFill>
               </a:rPr>
-              <a:t>nzb</a:t>
+              <a:t>i</a:t>
             </a:r>
             <a:r>
               <a:rPr lang="en-US" altLang="zh-CN" dirty="0" smtClean="0">
@@ -5009,18 +4809,45 @@
                   <a:srgbClr val="0070C0"/>
                 </a:solidFill>
               </a:rPr>
-              <a:t>"</a:t>
-            </a:r>
-            <a:endParaRPr lang="en-US" altLang="zh-CN" dirty="0" smtClean="0"/>
-          </a:p>
-          <a:p>
-            <a:r>
-              <a:rPr lang="en-US" altLang="zh-CN" dirty="0" smtClean="0"/>
-              <a:t>(?m)</a:t>
-            </a:r>
-          </a:p>
-          <a:p>
-            <a:endParaRPr lang="zh-CN" altLang="en-US" dirty="0"/>
+              <a:t>)</a:t>
+            </a:r>
+            <a:r>
+              <a:rPr lang="en-US" altLang="zh-CN" dirty="0" err="1" smtClean="0">
+                <a:solidFill>
+                  <a:srgbClr val="0070C0"/>
+                </a:solidFill>
+              </a:rPr>
+              <a:t>abc</a:t>
+            </a:r>
+            <a:r>
+              <a:rPr lang="en-US" altLang="zh-CN" dirty="0" smtClean="0">
+                <a:solidFill>
+                  <a:srgbClr val="0070C0"/>
+                </a:solidFill>
+              </a:rPr>
+              <a:t>(?-</a:t>
+            </a:r>
+            <a:r>
+              <a:rPr lang="en-US" altLang="zh-CN" dirty="0" err="1" smtClean="0">
+                <a:solidFill>
+                  <a:srgbClr val="0070C0"/>
+                </a:solidFill>
+              </a:rPr>
+              <a:t>i</a:t>
+            </a:r>
+            <a:r>
+              <a:rPr lang="en-US" altLang="zh-CN" dirty="0" smtClean="0">
+                <a:solidFill>
+                  <a:srgbClr val="0070C0"/>
+                </a:solidFill>
+              </a:rPr>
+              <a:t>)ABC/</a:t>
+            </a:r>
+            <a:endParaRPr lang="zh-CN" altLang="en-US" dirty="0">
+              <a:solidFill>
+                <a:srgbClr val="0070C0"/>
+              </a:solidFill>
+            </a:endParaRPr>
           </a:p>
         </p:txBody>
       </p:sp>
@@ -5030,7 +4857,7 @@
     <a:masterClrMapping/>
   </p:clrMapOvr>
   <p:transition spd="slow">
-    <p:pull dir="d"/>
+    <p:fade/>
   </p:transition>
   <p:timing>
     <p:tnLst>
@@ -5223,7 +5050,7 @@
     <a:masterClrMapping/>
   </p:clrMapOvr>
   <p:transition spd="slow">
-    <p:pull dir="d"/>
+    <p:fade/>
   </p:transition>
   <p:timing>
     <p:tnLst>
@@ -5267,11 +5094,7 @@
           <a:bodyPr/>
           <a:lstStyle/>
           <a:p>
-            <a:r>
-              <a:rPr lang="en-US" altLang="zh-CN" dirty="0" smtClean="0"/>
-              <a:t>?</a:t>
-            </a:r>
-            <a:endParaRPr lang="zh-CN" altLang="en-US" dirty="0"/>
+            <a:endParaRPr lang="zh-CN" altLang="en-US"/>
           </a:p>
         </p:txBody>
       </p:sp>
@@ -5293,48 +5116,85 @@
           <a:lstStyle/>
           <a:p>
             <a:r>
-              <a:rPr lang="en-US" altLang="zh-CN" sz="2800" dirty="0" smtClean="0">
-                <a:solidFill>
-                  <a:srgbClr val="0070C0"/>
-                </a:solidFill>
-              </a:rPr>
-              <a:t> "</a:t>
-            </a:r>
-            <a:r>
-              <a:rPr lang="en-US" altLang="zh-CN" sz="2800" dirty="0" err="1" smtClean="0">
-                <a:solidFill>
-                  <a:srgbClr val="0070C0"/>
-                </a:solidFill>
-              </a:rPr>
-              <a:t>mississippi".match</a:t>
-            </a:r>
-            <a:r>
-              <a:rPr lang="en-US" altLang="zh-CN" sz="2800" dirty="0" smtClean="0">
-                <a:solidFill>
-                  <a:srgbClr val="0070C0"/>
-                </a:solidFill>
-              </a:rPr>
-              <a:t> /i.*i</a:t>
-            </a:r>
-            <a:r>
-              <a:rPr lang="en-US" altLang="zh-CN" sz="2800" dirty="0" smtClean="0">
-                <a:solidFill>
-                  <a:srgbClr val="0070C0"/>
-                </a:solidFill>
-              </a:rPr>
-              <a:t>/</a:t>
-            </a:r>
-          </a:p>
-          <a:p>
-            <a:endParaRPr lang="en-US" altLang="zh-CN" sz="2800" dirty="0" smtClean="0">
+              <a:rPr lang="en-US" altLang="zh-CN" dirty="0" smtClean="0"/>
+              <a:t>(?s)	</a:t>
+            </a:r>
+            <a:r>
+              <a:rPr lang="en-US" altLang="zh-CN" sz="2800" dirty="0" smtClean="0"/>
+              <a:t>[(?m) in ruby]</a:t>
+            </a:r>
+          </a:p>
+          <a:p>
+            <a:pPr lvl="1"/>
+            <a:r>
+              <a:rPr lang="en-US" altLang="zh-CN" dirty="0" smtClean="0">
+                <a:solidFill>
+                  <a:srgbClr val="0070C0"/>
+                </a:solidFill>
+              </a:rPr>
+              <a:t>/a.*b/.match "</a:t>
+            </a:r>
+            <a:r>
+              <a:rPr lang="en-US" altLang="zh-CN" dirty="0" err="1" smtClean="0">
+                <a:solidFill>
+                  <a:srgbClr val="0070C0"/>
+                </a:solidFill>
+              </a:rPr>
+              <a:t>az</a:t>
+            </a:r>
+            <a:r>
+              <a:rPr lang="en-US" altLang="zh-CN" dirty="0" smtClean="0">
+                <a:solidFill>
+                  <a:srgbClr val="0070C0"/>
+                </a:solidFill>
+              </a:rPr>
+              <a:t>\</a:t>
+            </a:r>
+            <a:r>
+              <a:rPr lang="en-US" altLang="zh-CN" dirty="0" err="1" smtClean="0">
+                <a:solidFill>
+                  <a:srgbClr val="0070C0"/>
+                </a:solidFill>
+              </a:rPr>
+              <a:t>nzb</a:t>
+            </a:r>
+            <a:r>
+              <a:rPr lang="en-US" altLang="zh-CN" dirty="0" smtClean="0">
+                <a:solidFill>
+                  <a:srgbClr val="0070C0"/>
+                </a:solidFill>
+              </a:rPr>
+              <a:t>"	=&gt; nil</a:t>
+            </a:r>
+          </a:p>
+          <a:p>
+            <a:pPr lvl="1"/>
+            <a:endParaRPr lang="en-US" altLang="zh-CN" dirty="0" smtClean="0">
               <a:solidFill>
                 <a:srgbClr val="0070C0"/>
               </a:solidFill>
             </a:endParaRPr>
           </a:p>
           <a:p>
-            <a:r>
-              <a:rPr lang="en-US" altLang="zh-CN" sz="2800" dirty="0" smtClean="0">
+            <a:pPr lvl="1"/>
+            <a:r>
+              <a:rPr lang="en-US" altLang="zh-CN" dirty="0" smtClean="0">
+                <a:solidFill>
+                  <a:srgbClr val="0070C0"/>
+                </a:solidFill>
+              </a:rPr>
+              <a:t>/a.*b/</a:t>
+            </a:r>
+            <a:r>
+              <a:rPr lang="en-US" altLang="zh-CN" dirty="0" err="1" smtClean="0">
+                <a:solidFill>
+                  <a:srgbClr val="0070C0"/>
+                </a:solidFill>
+              </a:rPr>
+              <a:t>m.match</a:t>
+            </a:r>
+            <a:r>
+              <a:rPr lang="en-US" altLang="zh-CN" dirty="0" smtClean="0">
                 <a:solidFill>
                   <a:srgbClr val="0070C0"/>
                 </a:solidFill>
@@ -5342,42 +5202,146 @@
               <a:t> "</a:t>
             </a:r>
             <a:r>
-              <a:rPr lang="en-US" altLang="zh-CN" sz="2800" dirty="0" err="1" smtClean="0">
-                <a:solidFill>
-                  <a:srgbClr val="0070C0"/>
-                </a:solidFill>
-              </a:rPr>
-              <a:t>mississippi".match</a:t>
-            </a:r>
-            <a:r>
-              <a:rPr lang="en-US" altLang="zh-CN" sz="2800" dirty="0" smtClean="0">
-                <a:solidFill>
-                  <a:srgbClr val="0070C0"/>
-                </a:solidFill>
-              </a:rPr>
-              <a:t> /i.*?</a:t>
-            </a:r>
-            <a:r>
-              <a:rPr lang="en-US" altLang="zh-CN" sz="2800" dirty="0" err="1" smtClean="0">
-                <a:solidFill>
-                  <a:srgbClr val="0070C0"/>
-                </a:solidFill>
-              </a:rPr>
-              <a:t>i</a:t>
-            </a:r>
-            <a:r>
-              <a:rPr lang="en-US" altLang="zh-CN" sz="2800" dirty="0" smtClean="0">
-                <a:solidFill>
-                  <a:srgbClr val="0070C0"/>
-                </a:solidFill>
-              </a:rPr>
-              <a:t>/</a:t>
-            </a:r>
-            <a:endParaRPr lang="zh-CN" altLang="en-US" sz="2800" dirty="0">
+              <a:rPr lang="en-US" altLang="zh-CN" dirty="0" err="1" smtClean="0">
+                <a:solidFill>
+                  <a:srgbClr val="0070C0"/>
+                </a:solidFill>
+              </a:rPr>
+              <a:t>az</a:t>
+            </a:r>
+            <a:r>
+              <a:rPr lang="en-US" altLang="zh-CN" dirty="0" smtClean="0">
+                <a:solidFill>
+                  <a:srgbClr val="0070C0"/>
+                </a:solidFill>
+              </a:rPr>
+              <a:t>\</a:t>
+            </a:r>
+            <a:r>
+              <a:rPr lang="en-US" altLang="zh-CN" dirty="0" err="1" smtClean="0">
+                <a:solidFill>
+                  <a:srgbClr val="0070C0"/>
+                </a:solidFill>
+              </a:rPr>
+              <a:t>nzb</a:t>
+            </a:r>
+            <a:r>
+              <a:rPr lang="en-US" altLang="zh-CN" dirty="0" smtClean="0">
+                <a:solidFill>
+                  <a:srgbClr val="0070C0"/>
+                </a:solidFill>
+              </a:rPr>
+              <a:t>"        						=&gt; #&lt;</a:t>
+            </a:r>
+            <a:r>
+              <a:rPr lang="en-US" altLang="zh-CN" dirty="0" err="1" smtClean="0">
+                <a:solidFill>
+                  <a:srgbClr val="0070C0"/>
+                </a:solidFill>
+              </a:rPr>
+              <a:t>MatchData</a:t>
+            </a:r>
+            <a:r>
+              <a:rPr lang="en-US" altLang="zh-CN" dirty="0" smtClean="0">
+                <a:solidFill>
+                  <a:srgbClr val="0070C0"/>
+                </a:solidFill>
+              </a:rPr>
+              <a:t> "</a:t>
+            </a:r>
+            <a:r>
+              <a:rPr lang="en-US" altLang="zh-CN" dirty="0" err="1" smtClean="0">
+                <a:solidFill>
+                  <a:srgbClr val="0070C0"/>
+                </a:solidFill>
+              </a:rPr>
+              <a:t>az</a:t>
+            </a:r>
+            <a:r>
+              <a:rPr lang="en-US" altLang="zh-CN" dirty="0" smtClean="0">
+                <a:solidFill>
+                  <a:srgbClr val="0070C0"/>
+                </a:solidFill>
+              </a:rPr>
+              <a:t>\</a:t>
+            </a:r>
+            <a:r>
+              <a:rPr lang="en-US" altLang="zh-CN" dirty="0" err="1" smtClean="0">
+                <a:solidFill>
+                  <a:srgbClr val="0070C0"/>
+                </a:solidFill>
+              </a:rPr>
+              <a:t>nzb</a:t>
+            </a:r>
+            <a:r>
+              <a:rPr lang="en-US" altLang="zh-CN" dirty="0" smtClean="0">
+                <a:solidFill>
+                  <a:srgbClr val="0070C0"/>
+                </a:solidFill>
+              </a:rPr>
+              <a:t>"&gt;</a:t>
+            </a:r>
+          </a:p>
+          <a:p>
+            <a:pPr lvl="1"/>
+            <a:endParaRPr lang="en-US" altLang="zh-CN" dirty="0" smtClean="0">
               <a:solidFill>
                 <a:srgbClr val="0070C0"/>
               </a:solidFill>
             </a:endParaRPr>
+          </a:p>
+          <a:p>
+            <a:pPr lvl="1"/>
+            <a:r>
+              <a:rPr lang="en-US" altLang="zh-CN" dirty="0" smtClean="0">
+                <a:solidFill>
+                  <a:srgbClr val="0070C0"/>
+                </a:solidFill>
+              </a:rPr>
+              <a:t> /(?m)a.*b/.match "</a:t>
+            </a:r>
+            <a:r>
+              <a:rPr lang="en-US" altLang="zh-CN" dirty="0" err="1" smtClean="0">
+                <a:solidFill>
+                  <a:srgbClr val="0070C0"/>
+                </a:solidFill>
+              </a:rPr>
+              <a:t>az</a:t>
+            </a:r>
+            <a:r>
+              <a:rPr lang="en-US" altLang="zh-CN" dirty="0" smtClean="0">
+                <a:solidFill>
+                  <a:srgbClr val="0070C0"/>
+                </a:solidFill>
+              </a:rPr>
+              <a:t>\</a:t>
+            </a:r>
+            <a:r>
+              <a:rPr lang="en-US" altLang="zh-CN" dirty="0" err="1" smtClean="0">
+                <a:solidFill>
+                  <a:srgbClr val="0070C0"/>
+                </a:solidFill>
+              </a:rPr>
+              <a:t>nzb</a:t>
+            </a:r>
+            <a:r>
+              <a:rPr lang="en-US" altLang="zh-CN" dirty="0" smtClean="0">
+                <a:solidFill>
+                  <a:srgbClr val="0070C0"/>
+                </a:solidFill>
+              </a:rPr>
+              <a:t>"</a:t>
+            </a:r>
+            <a:endParaRPr lang="en-US" altLang="zh-CN" dirty="0" smtClean="0"/>
+          </a:p>
+          <a:p>
+            <a:r>
+              <a:rPr lang="en-US" altLang="zh-CN" dirty="0" smtClean="0"/>
+              <a:t>(?m)</a:t>
+            </a:r>
+          </a:p>
+          <a:p>
+            <a:endParaRPr lang="zh-CN" altLang="en-US" dirty="0"/>
           </a:p>
         </p:txBody>
       </p:sp>
@@ -5387,7 +5351,7 @@
     <a:masterClrMapping/>
   </p:clrMapOvr>
   <p:transition spd="slow">
-    <p:pull dir="d"/>
+    <p:fade/>
   </p:transition>
   <p:timing>
     <p:tnLst>
@@ -5418,7 +5382,7 @@
       </p:grpSpPr>
       <p:sp>
         <p:nvSpPr>
-          <p:cNvPr id="2" name="Title 1"/>
+          <p:cNvPr id="2" name="标题 1"/>
           <p:cNvSpPr>
             <a:spLocks noGrp="1"/>
           </p:cNvSpPr>
@@ -5432,16 +5396,16 @@
           <a:lstStyle/>
           <a:p>
             <a:r>
-              <a:rPr lang="en-US" dirty="0" smtClean="0"/>
-              <a:t>Resources</a:t>
-            </a:r>
-            <a:endParaRPr lang="en-US" dirty="0"/>
-          </a:p>
-        </p:txBody>
-      </p:sp>
-      <p:sp>
-        <p:nvSpPr>
-          <p:cNvPr id="3" name="Content Placeholder 2"/>
+              <a:rPr lang="en-US" altLang="zh-CN" dirty="0" smtClean="0"/>
+              <a:t>?</a:t>
+            </a:r>
+            <a:endParaRPr lang="zh-CN" altLang="en-US" dirty="0"/>
+          </a:p>
+        </p:txBody>
+      </p:sp>
+      <p:sp>
+        <p:nvSpPr>
+          <p:cNvPr id="3" name="内容占位符 2"/>
           <p:cNvSpPr>
             <a:spLocks noGrp="1"/>
           </p:cNvSpPr>
@@ -5451,137 +5415,99 @@
         </p:nvSpPr>
         <p:spPr/>
         <p:txBody>
-          <a:bodyPr/>
-          <a:lstStyle/>
-          <a:p>
-            <a:r>
-              <a:rPr lang="en-US" dirty="0" smtClean="0"/>
-              <a:t>Books</a:t>
-            </a:r>
-          </a:p>
-          <a:p>
-            <a:pPr lvl="1"/>
-            <a:r>
-              <a:rPr lang="nl-NL" dirty="0" smtClean="0"/>
-              <a:t>Mastering </a:t>
-            </a:r>
-            <a:r>
-              <a:rPr lang="nl-NL" dirty="0" err="1"/>
-              <a:t>Regular</a:t>
-            </a:r>
-            <a:r>
-              <a:rPr lang="nl-NL" dirty="0"/>
-              <a:t> </a:t>
-            </a:r>
-            <a:r>
-              <a:rPr lang="nl-NL" dirty="0" err="1"/>
-              <a:t>Expressions</a:t>
-            </a:r>
-            <a:r>
-              <a:rPr lang="nl-NL" dirty="0"/>
-              <a:t> </a:t>
-            </a:r>
-            <a:r>
-              <a:rPr lang="nl-NL" dirty="0">
-                <a:solidFill>
-                  <a:schemeClr val="bg1">
-                    <a:lumMod val="50000"/>
-                  </a:schemeClr>
-                </a:solidFill>
-              </a:rPr>
-              <a:t>[Jeffrey E.F. </a:t>
-            </a:r>
-            <a:r>
-              <a:rPr lang="nl-NL" dirty="0" err="1">
-                <a:solidFill>
-                  <a:schemeClr val="bg1">
-                    <a:lumMod val="50000"/>
-                  </a:schemeClr>
-                </a:solidFill>
-              </a:rPr>
-              <a:t>Friedl</a:t>
-            </a:r>
-            <a:r>
-              <a:rPr lang="nl-NL" dirty="0" smtClean="0">
-                <a:solidFill>
-                  <a:schemeClr val="bg1">
-                    <a:lumMod val="50000"/>
-                  </a:schemeClr>
-                </a:solidFill>
-              </a:rPr>
-              <a:t>]</a:t>
-            </a:r>
-          </a:p>
-          <a:p>
-            <a:pPr lvl="1"/>
-            <a:r>
-              <a:rPr lang="nl-NL" dirty="0" err="1" smtClean="0"/>
-              <a:t>Regular</a:t>
-            </a:r>
-            <a:r>
-              <a:rPr lang="nl-NL" dirty="0" smtClean="0"/>
-              <a:t> </a:t>
-            </a:r>
-            <a:r>
-              <a:rPr lang="nl-NL" dirty="0" err="1"/>
-              <a:t>Expression</a:t>
-            </a:r>
-            <a:r>
-              <a:rPr lang="nl-NL" dirty="0"/>
-              <a:t> </a:t>
-            </a:r>
-            <a:r>
-              <a:rPr lang="nl-NL" dirty="0" err="1"/>
-              <a:t>Cookbook</a:t>
-            </a:r>
-            <a:r>
-              <a:rPr lang="nl-NL" dirty="0"/>
-              <a:t>   </a:t>
-            </a:r>
-            <a:r>
-              <a:rPr lang="nl-NL" dirty="0">
-                <a:solidFill>
-                  <a:srgbClr val="7F7F7F"/>
-                </a:solidFill>
-              </a:rPr>
-              <a:t>[Jan </a:t>
-            </a:r>
-            <a:r>
-              <a:rPr lang="nl-NL" dirty="0" err="1">
-                <a:solidFill>
-                  <a:srgbClr val="7F7F7F"/>
-                </a:solidFill>
-              </a:rPr>
-              <a:t>Goyvaerts</a:t>
-            </a:r>
-            <a:r>
-              <a:rPr lang="nl-NL" dirty="0">
-                <a:solidFill>
-                  <a:srgbClr val="7F7F7F"/>
-                </a:solidFill>
-              </a:rPr>
-              <a:t>]</a:t>
-            </a:r>
-            <a:endParaRPr lang="en-US" dirty="0">
+          <a:bodyPr>
+            <a:normAutofit/>
+          </a:bodyPr>
+          <a:lstStyle/>
+          <a:p>
+            <a:r>
+              <a:rPr lang="en-US" altLang="zh-CN" sz="2800" dirty="0" smtClean="0">
+                <a:solidFill>
+                  <a:srgbClr val="0070C0"/>
+                </a:solidFill>
+              </a:rPr>
+              <a:t> "</a:t>
+            </a:r>
+            <a:r>
+              <a:rPr lang="en-US" altLang="zh-CN" sz="2800" dirty="0" err="1" smtClean="0">
+                <a:solidFill>
+                  <a:srgbClr val="0070C0"/>
+                </a:solidFill>
+              </a:rPr>
+              <a:t>mississippi".match</a:t>
+            </a:r>
+            <a:r>
+              <a:rPr lang="en-US" altLang="zh-CN" sz="2800" dirty="0" smtClean="0">
+                <a:solidFill>
+                  <a:srgbClr val="0070C0"/>
+                </a:solidFill>
+              </a:rPr>
+              <a:t> /i.*i/</a:t>
+            </a:r>
+          </a:p>
+          <a:p>
+            <a:endParaRPr lang="en-US" altLang="zh-CN" sz="2800" dirty="0" smtClean="0">
               <a:solidFill>
-                <a:srgbClr val="7F7F7F"/>
+                <a:srgbClr val="0070C0"/>
               </a:solidFill>
             </a:endParaRPr>
           </a:p>
+          <a:p>
+            <a:r>
+              <a:rPr lang="en-US" altLang="zh-CN" sz="2800" dirty="0" smtClean="0">
+                <a:solidFill>
+                  <a:srgbClr val="0070C0"/>
+                </a:solidFill>
+              </a:rPr>
+              <a:t> "</a:t>
+            </a:r>
+            <a:r>
+              <a:rPr lang="en-US" altLang="zh-CN" sz="2800" dirty="0" err="1" smtClean="0">
+                <a:solidFill>
+                  <a:srgbClr val="0070C0"/>
+                </a:solidFill>
+              </a:rPr>
+              <a:t>mississippi".match</a:t>
+            </a:r>
+            <a:r>
+              <a:rPr lang="en-US" altLang="zh-CN" sz="2800" dirty="0" smtClean="0">
+                <a:solidFill>
+                  <a:srgbClr val="0070C0"/>
+                </a:solidFill>
+              </a:rPr>
+              <a:t> /i.*?</a:t>
+            </a:r>
+            <a:r>
+              <a:rPr lang="en-US" altLang="zh-CN" sz="2800" dirty="0" err="1" smtClean="0">
+                <a:solidFill>
+                  <a:srgbClr val="0070C0"/>
+                </a:solidFill>
+              </a:rPr>
+              <a:t>i</a:t>
+            </a:r>
+            <a:r>
+              <a:rPr lang="en-US" altLang="zh-CN" sz="2800" dirty="0" smtClean="0">
+                <a:solidFill>
+                  <a:srgbClr val="0070C0"/>
+                </a:solidFill>
+              </a:rPr>
+              <a:t>/</a:t>
+            </a:r>
+            <a:endParaRPr lang="zh-CN" altLang="en-US" sz="2800" dirty="0">
+              <a:solidFill>
+                <a:srgbClr val="0070C0"/>
+              </a:solidFill>
+            </a:endParaRPr>
+          </a:p>
         </p:txBody>
       </p:sp>
     </p:spTree>
-    <p:extLst>
-      <p:ext uri="{BB962C8B-B14F-4D97-AF65-F5344CB8AC3E}">
-        <p14:creationId xmlns="" xmlns:p14="http://schemas.microsoft.com/office/powerpoint/2010/main" val="3694188506"/>
-      </p:ext>
-    </p:extLst>
   </p:cSld>
   <p:clrMapOvr>
     <a:masterClrMapping/>
   </p:clrMapOvr>
   <p:transition spd="slow">
-    <p:pull dir="d"/>
+    <p:fade/>
   </p:transition>
   <p:timing>
     <p:tnLst>
@@ -5649,70 +5575,125 @@
           <a:lstStyle/>
           <a:p>
             <a:r>
-              <a:rPr lang="pl-PL" dirty="0" smtClean="0"/>
-              <a:t>Tools</a:t>
+              <a:rPr lang="en-US" dirty="0" smtClean="0"/>
+              <a:t>Books</a:t>
             </a:r>
           </a:p>
           <a:p>
             <a:pPr lvl="1"/>
             <a:r>
-              <a:rPr lang="pl-PL" dirty="0" smtClean="0">
-                <a:hlinkClick r:id="rId2"/>
-              </a:rPr>
-              <a:t>www.regexpal.com</a:t>
-            </a:r>
-            <a:endParaRPr lang="pl-PL" dirty="0" smtClean="0"/>
+              <a:rPr lang="nl-NL" dirty="0" smtClean="0"/>
+              <a:t>Mastering </a:t>
+            </a:r>
+            <a:r>
+              <a:rPr lang="nl-NL" dirty="0" err="1"/>
+              <a:t>Regular</a:t>
+            </a:r>
+            <a:r>
+              <a:rPr lang="nl-NL" dirty="0"/>
+              <a:t> </a:t>
+            </a:r>
+            <a:r>
+              <a:rPr lang="nl-NL" dirty="0" err="1"/>
+              <a:t>Expressions</a:t>
+            </a:r>
+            <a:r>
+              <a:rPr lang="nl-NL" dirty="0"/>
+              <a:t> </a:t>
+            </a:r>
+            <a:r>
+              <a:rPr lang="nl-NL" dirty="0">
+                <a:solidFill>
+                  <a:schemeClr val="bg1">
+                    <a:lumMod val="50000"/>
+                  </a:schemeClr>
+                </a:solidFill>
+              </a:rPr>
+              <a:t>[Jeffrey E.F. </a:t>
+            </a:r>
+            <a:r>
+              <a:rPr lang="nl-NL" dirty="0" err="1">
+                <a:solidFill>
+                  <a:schemeClr val="bg1">
+                    <a:lumMod val="50000"/>
+                  </a:schemeClr>
+                </a:solidFill>
+              </a:rPr>
+              <a:t>Friedl</a:t>
+            </a:r>
+            <a:r>
+              <a:rPr lang="nl-NL" dirty="0" smtClean="0">
+                <a:solidFill>
+                  <a:schemeClr val="bg1">
+                    <a:lumMod val="50000"/>
+                  </a:schemeClr>
+                </a:solidFill>
+              </a:rPr>
+              <a:t>]</a:t>
+            </a:r>
           </a:p>
           <a:p>
             <a:pPr lvl="1"/>
             <a:r>
-              <a:rPr lang="pl-PL" dirty="0" smtClean="0">
-                <a:hlinkClick r:id="rId3"/>
-              </a:rPr>
-              <a:t>http</a:t>
-            </a:r>
-            <a:r>
-              <a:rPr lang="pl-PL" dirty="0">
-                <a:hlinkClick r:id="rId3"/>
-              </a:rPr>
-              <a:t>://www.regexbuddy.com</a:t>
-            </a:r>
-            <a:r>
-              <a:rPr lang="pl-PL" dirty="0" smtClean="0">
-                <a:hlinkClick r:id="rId3"/>
-              </a:rPr>
-              <a:t>/</a:t>
-            </a:r>
-            <a:endParaRPr lang="pl-PL" dirty="0" smtClean="0"/>
-          </a:p>
-          <a:p>
-            <a:endParaRPr lang="pl-PL" dirty="0"/>
-          </a:p>
-          <a:p>
-            <a:pPr lvl="1"/>
-            <a:r>
-              <a:rPr lang="pl-PL" dirty="0" err="1" smtClean="0"/>
-              <a:t>Sublime</a:t>
-            </a:r>
-            <a:r>
-              <a:rPr lang="pl-PL" dirty="0" smtClean="0"/>
+              <a:rPr lang="nl-NL" dirty="0" err="1" smtClean="0"/>
+              <a:t>Regular</a:t>
+            </a:r>
+            <a:r>
+              <a:rPr lang="nl-NL" dirty="0" smtClean="0"/>
               <a:t> </a:t>
             </a:r>
             <a:r>
-              <a:rPr lang="pl-PL" dirty="0" err="1" smtClean="0"/>
-              <a:t>Text</a:t>
-            </a:r>
-            <a:endParaRPr lang="en-US" dirty="0" smtClean="0"/>
-          </a:p>
-          <a:p>
-            <a:endParaRPr lang="en-US" dirty="0"/>
+              <a:rPr lang="nl-NL" dirty="0" err="1"/>
+              <a:t>Expression</a:t>
+            </a:r>
+            <a:r>
+              <a:rPr lang="nl-NL" dirty="0"/>
+              <a:t> </a:t>
+            </a:r>
+            <a:r>
+              <a:rPr lang="nl-NL" dirty="0" err="1"/>
+              <a:t>Cookbook</a:t>
+            </a:r>
+            <a:r>
+              <a:rPr lang="nl-NL" dirty="0"/>
+              <a:t>   </a:t>
+            </a:r>
+            <a:r>
+              <a:rPr lang="nl-NL" dirty="0">
+                <a:solidFill>
+                  <a:srgbClr val="7F7F7F"/>
+                </a:solidFill>
+              </a:rPr>
+              <a:t>[Jan </a:t>
+            </a:r>
+            <a:r>
+              <a:rPr lang="nl-NL" dirty="0" err="1">
+                <a:solidFill>
+                  <a:srgbClr val="7F7F7F"/>
+                </a:solidFill>
+              </a:rPr>
+              <a:t>Goyvaerts</a:t>
+            </a:r>
+            <a:r>
+              <a:rPr lang="nl-NL" dirty="0">
+                <a:solidFill>
+                  <a:srgbClr val="7F7F7F"/>
+                </a:solidFill>
+              </a:rPr>
+              <a:t>]</a:t>
+            </a:r>
+            <a:endParaRPr lang="en-US" dirty="0">
+              <a:solidFill>
+                <a:srgbClr val="7F7F7F"/>
+              </a:solidFill>
+            </a:endParaRPr>
           </a:p>
         </p:txBody>
       </p:sp>
     </p:spTree>
     <p:extLst>
       <p:ext uri="{BB962C8B-B14F-4D97-AF65-F5344CB8AC3E}">
-        <p14:creationId xmlns="" xmlns:p14="http://schemas.microsoft.com/office/powerpoint/2010/main" val="4207488348"/>
+        <p14:creationId xmlns:p14="http://schemas.microsoft.com/office/powerpoint/2010/main" xmlns="" val="3694188506"/>
       </p:ext>
     </p:extLst>
   </p:cSld>
@@ -5720,7 +5701,7 @@
     <a:masterClrMapping/>
   </p:clrMapOvr>
   <p:transition spd="slow">
-    <p:pull dir="d"/>
+    <p:fade/>
   </p:transition>
   <p:timing>
     <p:tnLst>
@@ -5789,54 +5770,61 @@
           <a:p>
             <a:r>
               <a:rPr lang="pl-PL" dirty="0" smtClean="0"/>
-              <a:t>Flavors:</a:t>
+              <a:t>Tools</a:t>
+            </a:r>
+          </a:p>
+          <a:p>
+            <a:pPr lvl="1"/>
+            <a:r>
+              <a:rPr lang="pl-PL" dirty="0" smtClean="0">
+                <a:hlinkClick r:id="rId2"/>
+              </a:rPr>
+              <a:t>www.regexpal.com</a:t>
+            </a:r>
+            <a:endParaRPr lang="pl-PL" dirty="0" smtClean="0"/>
+          </a:p>
+          <a:p>
+            <a:pPr lvl="1"/>
+            <a:r>
+              <a:rPr lang="pl-PL" dirty="0" smtClean="0">
+                <a:hlinkClick r:id="rId3"/>
+              </a:rPr>
+              <a:t>http</a:t>
+            </a:r>
+            <a:r>
+              <a:rPr lang="pl-PL" dirty="0">
+                <a:hlinkClick r:id="rId3"/>
+              </a:rPr>
+              <a:t>://www.regexbuddy.com</a:t>
+            </a:r>
+            <a:r>
+              <a:rPr lang="pl-PL" dirty="0" smtClean="0">
+                <a:hlinkClick r:id="rId3"/>
+              </a:rPr>
+              <a:t>/</a:t>
+            </a:r>
+            <a:endParaRPr lang="pl-PL" dirty="0" smtClean="0"/>
+          </a:p>
+          <a:p>
+            <a:endParaRPr lang="pl-PL" dirty="0"/>
+          </a:p>
+          <a:p>
+            <a:pPr lvl="1"/>
+            <a:r>
+              <a:rPr lang="pl-PL" dirty="0" err="1" smtClean="0"/>
+              <a:t>Sublime</a:t>
+            </a:r>
+            <a:r>
+              <a:rPr lang="pl-PL" dirty="0" smtClean="0"/>
+              <a:t> </a:t>
+            </a:r>
+            <a:r>
+              <a:rPr lang="pl-PL" dirty="0" err="1" smtClean="0"/>
+              <a:t>Text</a:t>
             </a:r>
             <a:endParaRPr lang="en-US" dirty="0" smtClean="0"/>
           </a:p>
           <a:p>
-            <a:pPr lvl="1"/>
-            <a:r>
-              <a:rPr lang="pl-PL" sz="2400" dirty="0" smtClean="0">
-                <a:hlinkClick r:id="rId2"/>
-              </a:rPr>
-              <a:t>http</a:t>
-            </a:r>
-            <a:r>
-              <a:rPr lang="pl-PL" sz="2400" dirty="0">
-                <a:hlinkClick r:id="rId2"/>
-              </a:rPr>
-              <a:t>://www.greenend.org.uk/rjk/tech/regexp.html</a:t>
-            </a:r>
-            <a:r>
-              <a:rPr lang="pl-PL" sz="2400" dirty="0"/>
-              <a:t> </a:t>
-            </a:r>
-            <a:endParaRPr lang="pl-PL" sz="2400" dirty="0" smtClean="0"/>
-          </a:p>
-          <a:p>
-            <a:pPr lvl="1"/>
-            <a:r>
-              <a:rPr lang="pl-PL" sz="2400" dirty="0" smtClean="0">
-                <a:hlinkClick r:id="rId3"/>
-              </a:rPr>
-              <a:t>http</a:t>
-            </a:r>
-            <a:r>
-              <a:rPr lang="pl-PL" sz="2400" dirty="0">
-                <a:hlinkClick r:id="rId3"/>
-              </a:rPr>
-              <a:t>://www.regular-expressions.info/</a:t>
-            </a:r>
-            <a:r>
-              <a:rPr lang="pl-PL" sz="2400" dirty="0" smtClean="0">
-                <a:hlinkClick r:id="rId3"/>
-              </a:rPr>
-              <a:t>refflavors.html</a:t>
-            </a:r>
-            <a:endParaRPr lang="pl-PL" sz="2400" dirty="0" smtClean="0"/>
-          </a:p>
-          <a:p>
-            <a:pPr lvl="2"/>
             <a:endParaRPr lang="en-US" dirty="0"/>
           </a:p>
         </p:txBody>
@@ -5844,7 +5832,139 @@
     </p:spTree>
     <p:extLst>
       <p:ext uri="{BB962C8B-B14F-4D97-AF65-F5344CB8AC3E}">
-        <p14:creationId xmlns="" xmlns:p14="http://schemas.microsoft.com/office/powerpoint/2010/main" val="382312730"/>
+        <p14:creationId xmlns:p14="http://schemas.microsoft.com/office/powerpoint/2010/main" xmlns="" val="4207488348"/>
+      </p:ext>
+    </p:extLst>
+  </p:cSld>
+  <p:clrMapOvr>
+    <a:masterClrMapping/>
+  </p:clrMapOvr>
+  <p:transition spd="slow">
+    <p:fade/>
+  </p:transition>
+  <p:timing>
+    <p:tnLst>
+      <p:par>
+        <p:cTn id="1" dur="indefinite" restart="never" nodeType="tmRoot"/>
+      </p:par>
+    </p:tnLst>
+  </p:timing>
+</p:sld>
+</file>
+
+<file path=ppt/slides/slide24.xml><?xml version="1.0" encoding="utf-8"?>
+<p:sld xmlns:a="http://schemas.openxmlformats.org/drawingml/2006/main" xmlns:r="http://schemas.openxmlformats.org/officeDocument/2006/relationships" xmlns:p="http://schemas.openxmlformats.org/presentationml/2006/main">
+  <p:cSld>
+    <p:spTree>
+      <p:nvGrpSpPr>
+        <p:cNvPr id="1" name=""/>
+        <p:cNvGrpSpPr/>
+        <p:nvPr/>
+      </p:nvGrpSpPr>
+      <p:grpSpPr>
+        <a:xfrm>
+          <a:off x="0" y="0"/>
+          <a:ext cx="0" cy="0"/>
+          <a:chOff x="0" y="0"/>
+          <a:chExt cx="0" cy="0"/>
+        </a:xfrm>
+      </p:grpSpPr>
+      <p:sp>
+        <p:nvSpPr>
+          <p:cNvPr id="2" name="Title 1"/>
+          <p:cNvSpPr>
+            <a:spLocks noGrp="1"/>
+          </p:cNvSpPr>
+          <p:nvPr>
+            <p:ph type="title"/>
+          </p:nvPr>
+        </p:nvSpPr>
+        <p:spPr/>
+        <p:txBody>
+          <a:bodyPr/>
+          <a:lstStyle/>
+          <a:p>
+            <a:r>
+              <a:rPr lang="en-US" dirty="0" smtClean="0"/>
+              <a:t>Resources</a:t>
+            </a:r>
+            <a:endParaRPr lang="en-US" dirty="0"/>
+          </a:p>
+        </p:txBody>
+      </p:sp>
+      <p:sp>
+        <p:nvSpPr>
+          <p:cNvPr id="3" name="Content Placeholder 2"/>
+          <p:cNvSpPr>
+            <a:spLocks noGrp="1"/>
+          </p:cNvSpPr>
+          <p:nvPr>
+            <p:ph idx="1"/>
+          </p:nvPr>
+        </p:nvSpPr>
+        <p:spPr/>
+        <p:txBody>
+          <a:bodyPr/>
+          <a:lstStyle/>
+          <a:p>
+            <a:r>
+              <a:rPr lang="pl-PL" dirty="0" smtClean="0"/>
+              <a:t>Flavors:</a:t>
+            </a:r>
+            <a:endParaRPr lang="en-US" dirty="0" smtClean="0"/>
+          </a:p>
+          <a:p>
+            <a:pPr lvl="1"/>
+            <a:r>
+              <a:rPr lang="pl-PL" sz="2400" dirty="0" smtClean="0">
+                <a:hlinkClick r:id="rId2"/>
+              </a:rPr>
+              <a:t>http</a:t>
+            </a:r>
+            <a:r>
+              <a:rPr lang="pl-PL" sz="2400" dirty="0">
+                <a:hlinkClick r:id="rId2"/>
+              </a:rPr>
+              <a:t>://www.greenend.org.uk/rjk/tech/regexp.html</a:t>
+            </a:r>
+            <a:r>
+              <a:rPr lang="pl-PL" sz="2400" dirty="0"/>
+              <a:t> </a:t>
+            </a:r>
+            <a:endParaRPr lang="pl-PL" sz="2400" dirty="0" smtClean="0"/>
+          </a:p>
+          <a:p>
+            <a:pPr lvl="1"/>
+            <a:r>
+              <a:rPr lang="pl-PL" sz="2400" dirty="0" smtClean="0">
+                <a:hlinkClick r:id="rId3"/>
+              </a:rPr>
+              <a:t>http</a:t>
+            </a:r>
+            <a:r>
+              <a:rPr lang="pl-PL" sz="2400" dirty="0">
+                <a:hlinkClick r:id="rId3"/>
+              </a:rPr>
+              <a:t>://www.regular-expressions.info/</a:t>
+            </a:r>
+            <a:r>
+              <a:rPr lang="pl-PL" sz="2400" dirty="0" smtClean="0">
+                <a:hlinkClick r:id="rId3"/>
+              </a:rPr>
+              <a:t>refflavors.html</a:t>
+            </a:r>
+            <a:endParaRPr lang="pl-PL" sz="2400" dirty="0" smtClean="0"/>
+          </a:p>
+          <a:p>
+            <a:pPr lvl="2"/>
+            <a:endParaRPr lang="en-US" dirty="0"/>
+          </a:p>
+        </p:txBody>
+      </p:sp>
+    </p:spTree>
+    <p:extLst>
+      <p:ext uri="{BB962C8B-B14F-4D97-AF65-F5344CB8AC3E}">
+        <p14:creationId xmlns:p14="http://schemas.microsoft.com/office/powerpoint/2010/main" xmlns="" val="382312730"/>
       </p:ext>
     </p:extLst>
   </p:cSld>
@@ -5852,7 +5972,7 @@
     <a:masterClrMapping/>
   </p:clrMapOvr>
   <p:transition spd="slow" advClick="0">
-    <p:pull dir="d"/>
+    <p:fade/>
   </p:transition>
   <p:timing>
     <p:tnLst>
@@ -6318,7 +6438,7 @@
     <a:masterClrMapping/>
   </p:clrMapOvr>
   <p:transition spd="slow">
-    <p:pull dir="d"/>
+    <p:fade/>
   </p:transition>
   <p:timing>
     <p:tnLst>
@@ -6364,7 +6484,7 @@
           <a:p>
             <a:r>
               <a:rPr lang="en-US" altLang="zh-CN" dirty="0" smtClean="0"/>
-              <a:t>Start/End</a:t>
+              <a:t>NFA &amp; DFA</a:t>
             </a:r>
             <a:endParaRPr lang="zh-CN" altLang="en-US" dirty="0"/>
           </a:p>
@@ -6382,340 +6502,337 @@
         </p:nvSpPr>
         <p:spPr/>
         <p:txBody>
-          <a:bodyPr>
-            <a:normAutofit fontScale="85000" lnSpcReduction="20000"/>
-          </a:bodyPr>
+          <a:bodyPr/>
           <a:lstStyle/>
           <a:p>
             <a:r>
               <a:rPr lang="en-US" altLang="zh-CN" dirty="0" smtClean="0"/>
-              <a:t>^</a:t>
+              <a:t>Nondeterministic </a:t>
+            </a:r>
+            <a:r>
+              <a:rPr lang="en-US" altLang="zh-CN" dirty="0" smtClean="0"/>
+              <a:t>Finite </a:t>
+            </a:r>
+            <a:r>
+              <a:rPr lang="en-US" altLang="zh-CN" dirty="0" smtClean="0"/>
+              <a:t>Automaton</a:t>
+            </a:r>
+          </a:p>
+          <a:p>
+            <a:r>
+              <a:rPr lang="en-US" altLang="zh-CN" dirty="0" smtClean="0"/>
+              <a:t>Deterministic </a:t>
+            </a:r>
+            <a:r>
+              <a:rPr lang="en-US" altLang="zh-CN" dirty="0" smtClean="0"/>
+              <a:t>Finite </a:t>
+            </a:r>
+            <a:r>
+              <a:rPr lang="en-US" altLang="zh-CN" dirty="0" smtClean="0"/>
+              <a:t>Automaton</a:t>
             </a:r>
           </a:p>
           <a:p>
             <a:pPr lvl="1"/>
             <a:r>
-              <a:rPr lang="cs-CZ" dirty="0" smtClean="0">
-                <a:solidFill>
-                  <a:srgbClr val="0070C0"/>
-                </a:solidFill>
-              </a:rPr>
+              <a:rPr lang="en-US" altLang="zh-CN" dirty="0" smtClean="0"/>
               <a:t>"</a:t>
             </a:r>
             <a:r>
-              <a:rPr lang="cs-CZ" dirty="0">
-                <a:solidFill>
-                  <a:srgbClr val="0070C0"/>
-                </a:solidFill>
-              </a:rPr>
-              <a:t>a\</a:t>
-            </a:r>
-            <a:r>
-              <a:rPr lang="cs-CZ" dirty="0" err="1">
-                <a:solidFill>
-                  <a:srgbClr val="0070C0"/>
-                </a:solidFill>
-              </a:rPr>
-              <a:t>nbc</a:t>
-            </a:r>
-            <a:r>
-              <a:rPr lang="cs-CZ" dirty="0">
-                <a:solidFill>
-                  <a:srgbClr val="0070C0"/>
-                </a:solidFill>
-              </a:rPr>
-              <a:t>" =~ /^b/		=&gt;</a:t>
-            </a:r>
-            <a:r>
-              <a:rPr lang="cs-CZ" dirty="0" smtClean="0">
-                <a:solidFill>
-                  <a:srgbClr val="0070C0"/>
-                </a:solidFill>
-              </a:rPr>
-              <a:t>2</a:t>
-            </a:r>
-            <a:endParaRPr lang="en-US" altLang="zh-CN" dirty="0" smtClean="0">
-              <a:solidFill>
-                <a:srgbClr val="0070C0"/>
-              </a:solidFill>
-            </a:endParaRPr>
-          </a:p>
-          <a:p>
+              <a:rPr lang="en-US" altLang="zh-CN" dirty="0" err="1" smtClean="0"/>
+              <a:t>nfa</a:t>
+            </a:r>
             <a:r>
               <a:rPr lang="en-US" altLang="zh-CN" dirty="0" smtClean="0"/>
-              <a:t>$</a:t>
-            </a:r>
-          </a:p>
-          <a:p>
-            <a:pPr lvl="1"/>
-            <a:r>
-              <a:rPr lang="cs-CZ" dirty="0" smtClean="0">
-                <a:solidFill>
-                  <a:srgbClr val="0070C0"/>
-                </a:solidFill>
-              </a:rPr>
-              <a:t>"</a:t>
-            </a:r>
-            <a:r>
-              <a:rPr lang="cs-CZ" dirty="0">
-                <a:solidFill>
-                  <a:srgbClr val="0070C0"/>
-                </a:solidFill>
-              </a:rPr>
-              <a:t>a\</a:t>
-            </a:r>
-            <a:r>
-              <a:rPr lang="cs-CZ" dirty="0" err="1">
-                <a:solidFill>
-                  <a:srgbClr val="0070C0"/>
-                </a:solidFill>
-              </a:rPr>
-              <a:t>nbc</a:t>
-            </a:r>
-            <a:r>
-              <a:rPr lang="cs-CZ" dirty="0">
-                <a:solidFill>
-                  <a:srgbClr val="0070C0"/>
-                </a:solidFill>
-              </a:rPr>
-              <a:t>\</a:t>
-            </a:r>
-            <a:r>
-              <a:rPr lang="cs-CZ" dirty="0" err="1">
-                <a:solidFill>
-                  <a:srgbClr val="0070C0"/>
-                </a:solidFill>
-              </a:rPr>
-              <a:t>nbc</a:t>
-            </a:r>
-            <a:r>
-              <a:rPr lang="cs-CZ" dirty="0">
-                <a:solidFill>
-                  <a:srgbClr val="0070C0"/>
-                </a:solidFill>
-              </a:rPr>
-              <a:t>" =~ /c$/		=&gt; </a:t>
-            </a:r>
-            <a:r>
-              <a:rPr lang="cs-CZ" dirty="0" smtClean="0">
-                <a:solidFill>
-                  <a:srgbClr val="0070C0"/>
-                </a:solidFill>
-              </a:rPr>
-              <a:t>3</a:t>
-            </a:r>
-            <a:endParaRPr lang="en-US" altLang="zh-CN" dirty="0" smtClean="0">
-              <a:solidFill>
-                <a:srgbClr val="0070C0"/>
-              </a:solidFill>
-            </a:endParaRPr>
-          </a:p>
-          <a:p>
+              <a:t>*</a:t>
+            </a:r>
+            <a:r>
+              <a:rPr lang="en-US" altLang="zh-CN" dirty="0" err="1" smtClean="0"/>
+              <a:t>not".match</a:t>
+            </a:r>
             <a:r>
               <a:rPr lang="en-US" altLang="zh-CN" dirty="0" smtClean="0"/>
-              <a:t>\A</a:t>
-            </a:r>
-          </a:p>
-          <a:p>
-            <a:pPr lvl="1"/>
-            <a:r>
-              <a:rPr lang="cs-CZ" dirty="0">
-                <a:solidFill>
-                  <a:srgbClr val="0070C0"/>
-                </a:solidFill>
-              </a:rPr>
-              <a:t>"a\</a:t>
-            </a:r>
-            <a:r>
-              <a:rPr lang="cs-CZ" dirty="0" err="1">
-                <a:solidFill>
-                  <a:srgbClr val="0070C0"/>
-                </a:solidFill>
-              </a:rPr>
-              <a:t>nbc</a:t>
-            </a:r>
-            <a:r>
-              <a:rPr lang="cs-CZ" dirty="0">
-                <a:solidFill>
-                  <a:srgbClr val="0070C0"/>
-                </a:solidFill>
-              </a:rPr>
-              <a:t>" =~ /\Ab/		=&gt;</a:t>
-            </a:r>
-            <a:r>
-              <a:rPr lang="cs-CZ" dirty="0" err="1" smtClean="0">
-                <a:solidFill>
-                  <a:srgbClr val="0070C0"/>
-                </a:solidFill>
-              </a:rPr>
-              <a:t>nil</a:t>
-            </a:r>
-            <a:endParaRPr lang="en-US" altLang="zh-CN" dirty="0" smtClean="0">
-              <a:solidFill>
-                <a:srgbClr val="0070C0"/>
-              </a:solidFill>
-            </a:endParaRPr>
-          </a:p>
-          <a:p>
+              <a:t> /</a:t>
+            </a:r>
+            <a:r>
+              <a:rPr lang="en-US" altLang="zh-CN" dirty="0" err="1" smtClean="0"/>
+              <a:t>nfa|nfa</a:t>
+            </a:r>
             <a:r>
               <a:rPr lang="en-US" altLang="zh-CN" dirty="0" smtClean="0"/>
-              <a:t>\Z</a:t>
-            </a:r>
-          </a:p>
-          <a:p>
-            <a:pPr lvl="1"/>
-            <a:r>
-              <a:rPr lang="cs-CZ" dirty="0">
-                <a:solidFill>
-                  <a:srgbClr val="0070C0"/>
-                </a:solidFill>
-              </a:rPr>
-              <a:t>"a\</a:t>
-            </a:r>
-            <a:r>
-              <a:rPr lang="cs-CZ" dirty="0" err="1">
-                <a:solidFill>
-                  <a:srgbClr val="0070C0"/>
-                </a:solidFill>
-              </a:rPr>
-              <a:t>nbc</a:t>
-            </a:r>
-            <a:r>
-              <a:rPr lang="cs-CZ" dirty="0">
-                <a:solidFill>
-                  <a:srgbClr val="0070C0"/>
-                </a:solidFill>
-              </a:rPr>
-              <a:t>\n" =~ /c\Z/		=&gt; 3</a:t>
-            </a:r>
-          </a:p>
-          <a:p>
-            <a:pPr lvl="1"/>
-            <a:r>
-              <a:rPr lang="cs-CZ" dirty="0">
-                <a:solidFill>
-                  <a:srgbClr val="0070C0"/>
-                </a:solidFill>
-              </a:rPr>
-              <a:t>"a\</a:t>
-            </a:r>
-            <a:r>
-              <a:rPr lang="cs-CZ" dirty="0" err="1">
-                <a:solidFill>
-                  <a:srgbClr val="0070C0"/>
-                </a:solidFill>
-              </a:rPr>
-              <a:t>nbc</a:t>
-            </a:r>
-            <a:r>
-              <a:rPr lang="cs-CZ" dirty="0">
-                <a:solidFill>
-                  <a:srgbClr val="0070C0"/>
-                </a:solidFill>
-              </a:rPr>
-              <a:t>\</a:t>
-            </a:r>
-            <a:r>
-              <a:rPr lang="cs-CZ" dirty="0" err="1">
-                <a:solidFill>
-                  <a:srgbClr val="0070C0"/>
-                </a:solidFill>
-              </a:rPr>
-              <a:t>nbc</a:t>
-            </a:r>
-            <a:r>
-              <a:rPr lang="cs-CZ" dirty="0">
-                <a:solidFill>
-                  <a:srgbClr val="0070C0"/>
-                </a:solidFill>
-              </a:rPr>
-              <a:t>" =~ /c\Z/	=&gt; </a:t>
-            </a:r>
-            <a:r>
-              <a:rPr lang="cs-CZ" dirty="0" smtClean="0">
-                <a:solidFill>
-                  <a:srgbClr val="0070C0"/>
-                </a:solidFill>
-              </a:rPr>
-              <a:t>6</a:t>
-            </a:r>
-            <a:endParaRPr lang="en-US" altLang="zh-CN" dirty="0" smtClean="0">
-              <a:solidFill>
-                <a:srgbClr val="0070C0"/>
-              </a:solidFill>
-            </a:endParaRPr>
-          </a:p>
-          <a:p>
+              <a:t>*not</a:t>
+            </a:r>
             <a:r>
               <a:rPr lang="en-US" altLang="zh-CN" dirty="0" smtClean="0"/>
-              <a:t>\z</a:t>
-            </a:r>
-          </a:p>
-          <a:p>
-            <a:pPr lvl="1"/>
-            <a:r>
-              <a:rPr lang="cs-CZ" dirty="0" smtClean="0">
-                <a:solidFill>
-                  <a:srgbClr val="0070C0"/>
-                </a:solidFill>
-              </a:rPr>
-              <a:t>"</a:t>
-            </a:r>
-            <a:r>
-              <a:rPr lang="cs-CZ" dirty="0">
-                <a:solidFill>
-                  <a:srgbClr val="0070C0"/>
-                </a:solidFill>
-              </a:rPr>
-              <a:t>a\</a:t>
-            </a:r>
-            <a:r>
-              <a:rPr lang="cs-CZ" dirty="0" err="1">
-                <a:solidFill>
-                  <a:srgbClr val="0070C0"/>
-                </a:solidFill>
-              </a:rPr>
-              <a:t>nbc</a:t>
-            </a:r>
-            <a:r>
-              <a:rPr lang="cs-CZ" dirty="0">
-                <a:solidFill>
-                  <a:srgbClr val="0070C0"/>
-                </a:solidFill>
-              </a:rPr>
-              <a:t>\n" =~ /c\z/		=&gt; </a:t>
-            </a:r>
-            <a:r>
-              <a:rPr lang="cs-CZ" dirty="0" err="1" smtClean="0">
-                <a:solidFill>
-                  <a:srgbClr val="0070C0"/>
-                </a:solidFill>
-              </a:rPr>
-              <a:t>nil</a:t>
-            </a:r>
-            <a:endParaRPr lang="cs-CZ" dirty="0">
-              <a:solidFill>
-                <a:srgbClr val="0070C0"/>
-              </a:solidFill>
-            </a:endParaRPr>
-          </a:p>
-        </p:txBody>
-      </p:sp>
+              <a:t>/</a:t>
+            </a:r>
+          </a:p>
+          <a:p>
+            <a:endParaRPr lang="zh-CN" altLang="en-US" dirty="0"/>
+          </a:p>
+        </p:txBody>
+      </p:sp>
+      <p:graphicFrame>
+        <p:nvGraphicFramePr>
+          <p:cNvPr id="4" name="表格 3"/>
+          <p:cNvGraphicFramePr>
+            <a:graphicFrameLocks noGrp="1"/>
+          </p:cNvGraphicFramePr>
+          <p:nvPr/>
+        </p:nvGraphicFramePr>
+        <p:xfrm>
+          <a:off x="500034" y="3500437"/>
+          <a:ext cx="7858180" cy="2618427"/>
+        </p:xfrm>
+        <a:graphic>
+          <a:graphicData uri="http://schemas.openxmlformats.org/drawingml/2006/table">
+            <a:tbl>
+              <a:tblPr firstRow="1" bandRow="1">
+                <a:tableStyleId>{5C22544A-7EE6-4342-B048-85BDC9FD1C3A}</a:tableStyleId>
+              </a:tblPr>
+              <a:tblGrid>
+                <a:gridCol w="2486395"/>
+                <a:gridCol w="5371785"/>
+              </a:tblGrid>
+              <a:tr h="458382">
+                <a:tc>
+                  <a:txBody>
+                    <a:bodyPr/>
+                    <a:lstStyle/>
+                    <a:p>
+                      <a:r>
+                        <a:rPr lang="en-US" altLang="zh-CN" sz="2000" dirty="0" smtClean="0"/>
+                        <a:t>Engine type</a:t>
+                      </a:r>
+                      <a:endParaRPr lang="zh-CN" altLang="en-US" sz="2000" dirty="0"/>
+                    </a:p>
+                  </a:txBody>
+                  <a:tcPr/>
+                </a:tc>
+                <a:tc>
+                  <a:txBody>
+                    <a:bodyPr/>
+                    <a:lstStyle/>
+                    <a:p>
+                      <a:r>
+                        <a:rPr lang="en-US" altLang="zh-CN" sz="2000" dirty="0" smtClean="0"/>
+                        <a:t>Program</a:t>
+                      </a:r>
+                      <a:endParaRPr lang="zh-CN" altLang="en-US" sz="2000" dirty="0"/>
+                    </a:p>
+                  </a:txBody>
+                  <a:tcPr/>
+                </a:tc>
+              </a:tr>
+              <a:tr h="452102">
+                <a:tc>
+                  <a:txBody>
+                    <a:bodyPr/>
+                    <a:lstStyle/>
+                    <a:p>
+                      <a:r>
+                        <a:rPr lang="en-US" altLang="zh-CN" sz="2000" dirty="0" smtClean="0"/>
+                        <a:t>DFA</a:t>
+                      </a:r>
+                      <a:endParaRPr lang="zh-CN" altLang="en-US" sz="2000" dirty="0"/>
+                    </a:p>
+                  </a:txBody>
+                  <a:tcPr/>
+                </a:tc>
+                <a:tc>
+                  <a:txBody>
+                    <a:bodyPr/>
+                    <a:lstStyle/>
+                    <a:p>
+                      <a:r>
+                        <a:rPr lang="en-US" altLang="zh-CN" sz="2000" dirty="0" err="1" smtClean="0"/>
+                        <a:t>Awk</a:t>
+                      </a:r>
+                      <a:r>
+                        <a:rPr lang="en-US" altLang="zh-CN" sz="2000" dirty="0" smtClean="0"/>
+                        <a:t>(</a:t>
+                      </a:r>
+                      <a:r>
+                        <a:rPr lang="zh-CN" altLang="en-US" sz="2000" dirty="0" smtClean="0"/>
+                        <a:t>大多数</a:t>
+                      </a:r>
+                      <a:r>
+                        <a:rPr lang="en-US" altLang="zh-CN" sz="2000" dirty="0" smtClean="0"/>
+                        <a:t>),</a:t>
+                      </a:r>
+                      <a:r>
+                        <a:rPr lang="en-US" altLang="zh-CN" sz="2000" dirty="0" err="1" smtClean="0"/>
+                        <a:t>egrep,flex,MySQL</a:t>
+                      </a:r>
+                      <a:endParaRPr lang="zh-CN" altLang="en-US" sz="2000" dirty="0"/>
+                    </a:p>
+                  </a:txBody>
+                  <a:tcPr/>
+                </a:tc>
+              </a:tr>
+              <a:tr h="791179">
+                <a:tc>
+                  <a:txBody>
+                    <a:bodyPr/>
+                    <a:lstStyle/>
+                    <a:p>
+                      <a:r>
+                        <a:rPr lang="en-US" altLang="zh-CN" sz="2000" dirty="0" smtClean="0"/>
+                        <a:t>Traditional NFA</a:t>
+                      </a:r>
+                      <a:endParaRPr lang="zh-CN" altLang="en-US" sz="2000" dirty="0"/>
+                    </a:p>
+                  </a:txBody>
+                  <a:tcPr/>
+                </a:tc>
+                <a:tc>
+                  <a:txBody>
+                    <a:bodyPr/>
+                    <a:lstStyle/>
+                    <a:p>
+                      <a:r>
+                        <a:rPr lang="en-US" altLang="zh-CN" sz="2000" dirty="0" smtClean="0"/>
+                        <a:t>GNU </a:t>
+                      </a:r>
+                      <a:r>
+                        <a:rPr lang="en-US" altLang="zh-CN" sz="2000" dirty="0" err="1" smtClean="0"/>
+                        <a:t>Emacs</a:t>
+                      </a:r>
+                      <a:r>
+                        <a:rPr lang="en-US" altLang="zh-CN" sz="2000" dirty="0" smtClean="0"/>
+                        <a:t>, Java, </a:t>
+                      </a:r>
+                      <a:r>
+                        <a:rPr lang="en-US" altLang="zh-CN" sz="2000" dirty="0" err="1" smtClean="0"/>
+                        <a:t>grep,.NET</a:t>
+                      </a:r>
+                      <a:r>
+                        <a:rPr lang="en-US" altLang="zh-CN" sz="2000" dirty="0" smtClean="0"/>
+                        <a:t>,</a:t>
+                      </a:r>
+                      <a:r>
+                        <a:rPr lang="en-US" altLang="zh-CN" sz="2000" baseline="0" dirty="0" smtClean="0"/>
+                        <a:t> </a:t>
+                      </a:r>
+                      <a:r>
+                        <a:rPr lang="en-US" altLang="zh-CN" sz="2000" baseline="0" dirty="0" err="1" smtClean="0"/>
+                        <a:t>PCRE,Perl,python,ruby,sed,vi</a:t>
+                      </a:r>
+                      <a:endParaRPr lang="zh-CN" altLang="en-US" sz="2000" dirty="0"/>
+                    </a:p>
+                  </a:txBody>
+                  <a:tcPr/>
+                </a:tc>
+              </a:tr>
+              <a:tr h="458382">
+                <a:tc>
+                  <a:txBody>
+                    <a:bodyPr/>
+                    <a:lstStyle/>
+                    <a:p>
+                      <a:r>
+                        <a:rPr lang="en-US" altLang="zh-CN" sz="2000" dirty="0" err="1" smtClean="0"/>
+                        <a:t>Posix</a:t>
+                      </a:r>
+                      <a:r>
+                        <a:rPr lang="en-US" altLang="zh-CN" sz="2000" dirty="0" smtClean="0"/>
+                        <a:t> NFA</a:t>
+                      </a:r>
+                      <a:endParaRPr lang="zh-CN" altLang="en-US" sz="2000" dirty="0"/>
+                    </a:p>
+                  </a:txBody>
+                  <a:tcPr/>
+                </a:tc>
+                <a:tc>
+                  <a:txBody>
+                    <a:bodyPr/>
+                    <a:lstStyle/>
+                    <a:p>
+                      <a:r>
+                        <a:rPr lang="en-US" altLang="zh-CN" sz="2000" dirty="0" err="1" smtClean="0"/>
+                        <a:t>Mawk</a:t>
+                      </a:r>
+                      <a:r>
+                        <a:rPr lang="en-US" altLang="zh-CN" sz="2000" dirty="0" smtClean="0"/>
+                        <a:t>, GNU </a:t>
+                      </a:r>
+                      <a:r>
+                        <a:rPr lang="en-US" altLang="zh-CN" sz="2000" dirty="0" err="1" smtClean="0"/>
+                        <a:t>Emacs</a:t>
+                      </a:r>
+                      <a:r>
+                        <a:rPr lang="en-US" altLang="zh-CN" sz="2000" dirty="0" smtClean="0"/>
+                        <a:t>( </a:t>
+                      </a:r>
+                      <a:r>
+                        <a:rPr lang="zh-CN" altLang="en-US" sz="2000" dirty="0" smtClean="0"/>
+                        <a:t>明确指定时</a:t>
+                      </a:r>
+                      <a:r>
+                        <a:rPr lang="en-US" altLang="zh-CN" sz="2000" dirty="0" smtClean="0"/>
+                        <a:t>)</a:t>
+                      </a:r>
+                      <a:endParaRPr lang="zh-CN" altLang="en-US" sz="2000" dirty="0"/>
+                    </a:p>
+                  </a:txBody>
+                  <a:tcPr/>
+                </a:tc>
+              </a:tr>
+              <a:tr h="458382">
+                <a:tc>
+                  <a:txBody>
+                    <a:bodyPr/>
+                    <a:lstStyle/>
+                    <a:p>
+                      <a:r>
+                        <a:rPr lang="en-US" altLang="zh-CN" sz="2000" dirty="0" smtClean="0"/>
+                        <a:t>DFA/NFA</a:t>
+                      </a:r>
+                      <a:r>
+                        <a:rPr lang="en-US" altLang="zh-CN" sz="2000" baseline="0" dirty="0" smtClean="0"/>
+                        <a:t> mix</a:t>
+                      </a:r>
+                      <a:endParaRPr lang="zh-CN" altLang="en-US" sz="2000" dirty="0"/>
+                    </a:p>
+                  </a:txBody>
+                  <a:tcPr/>
+                </a:tc>
+                <a:tc>
+                  <a:txBody>
+                    <a:bodyPr/>
+                    <a:lstStyle/>
+                    <a:p>
+                      <a:r>
+                        <a:rPr lang="en-US" altLang="zh-CN" sz="2000" dirty="0" smtClean="0"/>
+                        <a:t>GNU </a:t>
+                      </a:r>
+                      <a:r>
+                        <a:rPr lang="en-US" altLang="zh-CN" sz="2000" dirty="0" err="1" smtClean="0"/>
+                        <a:t>awk</a:t>
+                      </a:r>
+                      <a:r>
+                        <a:rPr lang="en-US" altLang="zh-CN" sz="2000" dirty="0" smtClean="0"/>
+                        <a:t>, </a:t>
+                      </a:r>
+                      <a:r>
+                        <a:rPr lang="en-US" altLang="zh-CN" sz="2000" dirty="0" err="1" smtClean="0"/>
+                        <a:t>Tcl</a:t>
+                      </a:r>
+                      <a:endParaRPr lang="zh-CN" altLang="en-US" sz="2000" dirty="0"/>
+                    </a:p>
+                  </a:txBody>
+                  <a:tcPr/>
+                </a:tc>
+              </a:tr>
+            </a:tbl>
+          </a:graphicData>
+        </a:graphic>
+      </p:graphicFrame>
     </p:spTree>
   </p:cSld>
   <p:clrMapOvr>
     <a:masterClrMapping/>
   </p:clrMapOvr>
-  <p:transition spd="slow">
-    <p:pull dir="d"/>
-  </p:transition>
-  <p:timing>
-    <p:tnLst>
-      <p:par>
-        <p:cTn id="1" dur="indefinite" restart="never" nodeType="tmRoot"/>
-      </p:par>
-    </p:tnLst>
-  </p:timing>
 </p:sld>
 </file>
 
@@ -6753,7 +6870,7 @@
           <a:p>
             <a:r>
               <a:rPr lang="en-US" altLang="zh-CN" dirty="0" smtClean="0"/>
-              <a:t>Basic</a:t>
+              <a:t>Start/End</a:t>
             </a:r>
             <a:endParaRPr lang="zh-CN" altLang="en-US" dirty="0"/>
           </a:p>
@@ -6772,38 +6889,19 @@
         <p:spPr/>
         <p:txBody>
           <a:bodyPr>
-            <a:normAutofit fontScale="92500" lnSpcReduction="20000"/>
+            <a:normAutofit fontScale="85000" lnSpcReduction="20000"/>
           </a:bodyPr>
           <a:lstStyle/>
           <a:p>
             <a:r>
               <a:rPr lang="en-US" altLang="zh-CN" dirty="0" smtClean="0"/>
-              <a:t>[ ]</a:t>
+              <a:t>^</a:t>
             </a:r>
           </a:p>
           <a:p>
             <a:pPr lvl="1"/>
             <a:r>
-              <a:rPr lang="pt-BR" dirty="0">
-                <a:solidFill>
-                  <a:srgbClr val="0070C0"/>
-                </a:solidFill>
-              </a:rPr>
-              <a:t>"regex" =~ /[aeiou]/		=&gt; </a:t>
-            </a:r>
-            <a:r>
-              <a:rPr lang="pt-BR" dirty="0" smtClean="0">
-                <a:solidFill>
-                  <a:srgbClr val="0070C0"/>
-                </a:solidFill>
-              </a:rPr>
-              <a:t>1</a:t>
-            </a:r>
-          </a:p>
-          <a:p>
-            <a:pPr lvl="1"/>
-            <a:r>
-              <a:rPr lang="en-US" altLang="zh-CN" dirty="0" smtClean="0">
+              <a:rPr lang="cs-CZ" dirty="0" smtClean="0">
                 <a:solidFill>
                   <a:srgbClr val="0070C0"/>
                 </a:solidFill>
@@ -6811,69 +6909,36 @@
               <a:t>"</a:t>
             </a:r>
             <a:r>
-              <a:rPr lang="en-US" altLang="zh-CN" dirty="0" err="1" smtClean="0">
-                <a:solidFill>
-                  <a:srgbClr val="0070C0"/>
-                </a:solidFill>
-              </a:rPr>
-              <a:t>regex</a:t>
-            </a:r>
-            <a:r>
-              <a:rPr lang="en-US" altLang="zh-CN" dirty="0" smtClean="0">
-                <a:solidFill>
-                  <a:srgbClr val="0070C0"/>
-                </a:solidFill>
-              </a:rPr>
-              <a:t>" =~ /[a-f]/		=&gt; 1</a:t>
-            </a:r>
-          </a:p>
-          <a:p>
-            <a:r>
-              <a:rPr lang="en-US" altLang="zh-CN" dirty="0" smtClean="0"/>
-              <a:t>[^ ]</a:t>
-            </a:r>
-          </a:p>
-          <a:p>
-            <a:pPr lvl="1"/>
-            <a:r>
-              <a:rPr lang="pt-BR" altLang="zh-CN" dirty="0" smtClean="0">
-                <a:solidFill>
-                  <a:srgbClr val="0070C0"/>
-                </a:solidFill>
-              </a:rPr>
-              <a:t>"</a:t>
-            </a:r>
-            <a:r>
-              <a:rPr lang="fr-FR" altLang="zh-CN" dirty="0" err="1">
-                <a:solidFill>
-                  <a:srgbClr val="0070C0"/>
-                </a:solidFill>
-              </a:rPr>
-              <a:t>regex</a:t>
-            </a:r>
-            <a:r>
-              <a:rPr lang="pt-BR" altLang="zh-CN" dirty="0">
-                <a:solidFill>
-                  <a:srgbClr val="0070C0"/>
-                </a:solidFill>
-              </a:rPr>
-              <a:t>"</a:t>
-            </a:r>
-            <a:r>
-              <a:rPr lang="fr-FR" altLang="zh-CN" dirty="0">
-                <a:solidFill>
-                  <a:srgbClr val="0070C0"/>
-                </a:solidFill>
-              </a:rPr>
-              <a:t> =~ /[^reg]/		=&gt; </a:t>
-            </a:r>
-            <a:r>
-              <a:rPr lang="fr-FR" altLang="zh-CN" dirty="0" smtClean="0">
-                <a:solidFill>
-                  <a:srgbClr val="0070C0"/>
-                </a:solidFill>
-              </a:rPr>
-              <a:t>4</a:t>
+              <a:rPr lang="cs-CZ" dirty="0">
+                <a:solidFill>
+                  <a:srgbClr val="0070C0"/>
+                </a:solidFill>
+              </a:rPr>
+              <a:t>a\</a:t>
+            </a:r>
+            <a:r>
+              <a:rPr lang="cs-CZ" dirty="0" err="1">
+                <a:solidFill>
+                  <a:srgbClr val="0070C0"/>
+                </a:solidFill>
+              </a:rPr>
+              <a:t>nbc</a:t>
+            </a:r>
+            <a:r>
+              <a:rPr lang="cs-CZ" dirty="0">
+                <a:solidFill>
+                  <a:srgbClr val="0070C0"/>
+                </a:solidFill>
+              </a:rPr>
+              <a:t>" =~ /^b/		=&gt;</a:t>
+            </a:r>
+            <a:r>
+              <a:rPr lang="cs-CZ" dirty="0" smtClean="0">
+                <a:solidFill>
+                  <a:srgbClr val="0070C0"/>
+                </a:solidFill>
+              </a:rPr>
+              <a:t>2</a:t>
             </a:r>
             <a:endParaRPr lang="en-US" altLang="zh-CN" dirty="0" smtClean="0">
               <a:solidFill>
@@ -6884,13 +6949,13 @@
           <a:p>
             <a:r>
               <a:rPr lang="en-US" altLang="zh-CN" dirty="0" smtClean="0"/>
-              <a:t>.</a:t>
+              <a:t>$</a:t>
             </a:r>
           </a:p>
           <a:p>
             <a:pPr lvl="1"/>
             <a:r>
-              <a:rPr lang="pt-BR" altLang="zh-CN" dirty="0">
+              <a:rPr lang="cs-CZ" dirty="0" smtClean="0">
                 <a:solidFill>
                   <a:srgbClr val="0070C0"/>
                 </a:solidFill>
@@ -6898,7 +6963,23 @@
               <a:t>"</a:t>
             </a:r>
             <a:r>
-              <a:rPr lang="pt-BR" altLang="zh-CN" dirty="0" smtClean="0">
+              <a:rPr lang="cs-CZ" dirty="0">
+                <a:solidFill>
+                  <a:srgbClr val="0070C0"/>
+                </a:solidFill>
+              </a:rPr>
+              <a:t>a\</a:t>
+            </a:r>
+            <a:r>
+              <a:rPr lang="cs-CZ" dirty="0" err="1">
+                <a:solidFill>
+                  <a:srgbClr val="0070C0"/>
+                </a:solidFill>
+              </a:rPr>
+              <a:t>nbc</a:t>
+            </a:r>
+            <a:r>
+              <a:rPr lang="cs-CZ" dirty="0">
                 <a:solidFill>
                   <a:srgbClr val="0070C0"/>
                 </a:solidFill>
@@ -6906,15 +6987,180 @@
               <a:t>\</a:t>
             </a:r>
             <a:r>
-              <a:rPr lang="en-US" altLang="zh-CN" dirty="0">
-                <a:solidFill>
-                  <a:srgbClr val="0070C0"/>
-                </a:solidFill>
-              </a:rPr>
-              <a:t>n 123</a:t>
-            </a:r>
-            <a:r>
-              <a:rPr lang="pt-BR" altLang="zh-CN" dirty="0">
+              <a:rPr lang="cs-CZ" dirty="0" err="1">
+                <a:solidFill>
+                  <a:srgbClr val="0070C0"/>
+                </a:solidFill>
+              </a:rPr>
+              <a:t>nbc</a:t>
+            </a:r>
+            <a:r>
+              <a:rPr lang="cs-CZ" dirty="0">
+                <a:solidFill>
+                  <a:srgbClr val="0070C0"/>
+                </a:solidFill>
+              </a:rPr>
+              <a:t>" =~ /c$/		=&gt; </a:t>
+            </a:r>
+            <a:r>
+              <a:rPr lang="cs-CZ" dirty="0" smtClean="0">
+                <a:solidFill>
+                  <a:srgbClr val="0070C0"/>
+                </a:solidFill>
+              </a:rPr>
+              <a:t>3</a:t>
+            </a:r>
+            <a:endParaRPr lang="en-US" altLang="zh-CN" dirty="0" smtClean="0">
+              <a:solidFill>
+                <a:srgbClr val="0070C0"/>
+              </a:solidFill>
+            </a:endParaRPr>
+          </a:p>
+          <a:p>
+            <a:r>
+              <a:rPr lang="en-US" altLang="zh-CN" dirty="0" smtClean="0"/>
+              <a:t>\A</a:t>
+            </a:r>
+          </a:p>
+          <a:p>
+            <a:pPr lvl="1"/>
+            <a:r>
+              <a:rPr lang="cs-CZ" dirty="0">
+                <a:solidFill>
+                  <a:srgbClr val="0070C0"/>
+                </a:solidFill>
+              </a:rPr>
+              <a:t>"a\</a:t>
+            </a:r>
+            <a:r>
+              <a:rPr lang="cs-CZ" dirty="0" err="1">
+                <a:solidFill>
+                  <a:srgbClr val="0070C0"/>
+                </a:solidFill>
+              </a:rPr>
+              <a:t>nbc</a:t>
+            </a:r>
+            <a:r>
+              <a:rPr lang="cs-CZ" dirty="0">
+                <a:solidFill>
+                  <a:srgbClr val="0070C0"/>
+                </a:solidFill>
+              </a:rPr>
+              <a:t>" =~ /\Ab/		=&gt;</a:t>
+            </a:r>
+            <a:r>
+              <a:rPr lang="cs-CZ" dirty="0" err="1" smtClean="0">
+                <a:solidFill>
+                  <a:srgbClr val="0070C0"/>
+                </a:solidFill>
+              </a:rPr>
+              <a:t>nil</a:t>
+            </a:r>
+            <a:endParaRPr lang="en-US" altLang="zh-CN" dirty="0" smtClean="0">
+              <a:solidFill>
+                <a:srgbClr val="0070C0"/>
+              </a:solidFill>
+            </a:endParaRPr>
+          </a:p>
+          <a:p>
+            <a:r>
+              <a:rPr lang="en-US" altLang="zh-CN" dirty="0" smtClean="0"/>
+              <a:t>\Z</a:t>
+            </a:r>
+          </a:p>
+          <a:p>
+            <a:pPr lvl="1"/>
+            <a:r>
+              <a:rPr lang="cs-CZ" dirty="0">
+                <a:solidFill>
+                  <a:srgbClr val="0070C0"/>
+                </a:solidFill>
+              </a:rPr>
+              <a:t>"a\</a:t>
+            </a:r>
+            <a:r>
+              <a:rPr lang="cs-CZ" dirty="0" err="1">
+                <a:solidFill>
+                  <a:srgbClr val="0070C0"/>
+                </a:solidFill>
+              </a:rPr>
+              <a:t>nbc</a:t>
+            </a:r>
+            <a:r>
+              <a:rPr lang="cs-CZ" dirty="0">
+                <a:solidFill>
+                  <a:srgbClr val="0070C0"/>
+                </a:solidFill>
+              </a:rPr>
+              <a:t>\n" =~ /c\Z/		=&gt; 3</a:t>
+            </a:r>
+          </a:p>
+          <a:p>
+            <a:pPr lvl="1"/>
+            <a:r>
+              <a:rPr lang="cs-CZ" dirty="0">
+                <a:solidFill>
+                  <a:srgbClr val="0070C0"/>
+                </a:solidFill>
+              </a:rPr>
+              <a:t>"a\</a:t>
+            </a:r>
+            <a:r>
+              <a:rPr lang="cs-CZ" dirty="0" err="1">
+                <a:solidFill>
+                  <a:srgbClr val="0070C0"/>
+                </a:solidFill>
+              </a:rPr>
+              <a:t>nbc</a:t>
+            </a:r>
+            <a:r>
+              <a:rPr lang="cs-CZ" dirty="0">
+                <a:solidFill>
+                  <a:srgbClr val="0070C0"/>
+                </a:solidFill>
+              </a:rPr>
+              <a:t>\</a:t>
+            </a:r>
+            <a:r>
+              <a:rPr lang="cs-CZ" dirty="0" err="1">
+                <a:solidFill>
+                  <a:srgbClr val="0070C0"/>
+                </a:solidFill>
+              </a:rPr>
+              <a:t>nbc</a:t>
+            </a:r>
+            <a:r>
+              <a:rPr lang="cs-CZ" dirty="0">
+                <a:solidFill>
+                  <a:srgbClr val="0070C0"/>
+                </a:solidFill>
+              </a:rPr>
+              <a:t>" =~ /c\Z/	=&gt; </a:t>
+            </a:r>
+            <a:r>
+              <a:rPr lang="cs-CZ" dirty="0" smtClean="0">
+                <a:solidFill>
+                  <a:srgbClr val="0070C0"/>
+                </a:solidFill>
+              </a:rPr>
+              <a:t>6</a:t>
+            </a:r>
+            <a:endParaRPr lang="en-US" altLang="zh-CN" dirty="0" smtClean="0">
+              <a:solidFill>
+                <a:srgbClr val="0070C0"/>
+              </a:solidFill>
+            </a:endParaRPr>
+          </a:p>
+          <a:p>
+            <a:r>
+              <a:rPr lang="en-US" altLang="zh-CN" dirty="0" smtClean="0"/>
+              <a:t>\z</a:t>
+            </a:r>
+          </a:p>
+          <a:p>
+            <a:pPr lvl="1"/>
+            <a:r>
+              <a:rPr lang="cs-CZ" dirty="0" smtClean="0">
                 <a:solidFill>
                   <a:srgbClr val="0070C0"/>
                 </a:solidFill>
@@ -6922,136 +7168,42 @@
               <a:t>"</a:t>
             </a:r>
             <a:r>
-              <a:rPr lang="en-US" altLang="zh-CN" dirty="0">
-                <a:solidFill>
-                  <a:srgbClr val="0070C0"/>
-                </a:solidFill>
-              </a:rPr>
-              <a:t> =~ /./		</a:t>
-            </a:r>
-            <a:r>
-              <a:rPr lang="en-US" altLang="zh-CN" dirty="0" smtClean="0">
-                <a:solidFill>
-                  <a:srgbClr val="0070C0"/>
-                </a:solidFill>
-              </a:rPr>
-              <a:t>	=</a:t>
-            </a:r>
-            <a:r>
-              <a:rPr lang="en-US" altLang="zh-CN" dirty="0">
-                <a:solidFill>
-                  <a:srgbClr val="0070C0"/>
-                </a:solidFill>
-              </a:rPr>
-              <a:t>&gt; </a:t>
-            </a:r>
-            <a:r>
-              <a:rPr lang="en-US" altLang="zh-CN" dirty="0" smtClean="0">
-                <a:solidFill>
-                  <a:srgbClr val="0070C0"/>
-                </a:solidFill>
-              </a:rPr>
-              <a:t>1</a:t>
-            </a:r>
-          </a:p>
-          <a:p>
-            <a:r>
-              <a:rPr lang="en-US" altLang="zh-CN" dirty="0" smtClean="0"/>
-              <a:t>|</a:t>
-            </a:r>
-            <a:endParaRPr lang="en-US" altLang="zh-CN" dirty="0"/>
-          </a:p>
-          <a:p>
-            <a:pPr lvl="1"/>
-            <a:r>
-              <a:rPr lang="pt-BR" altLang="zh-CN" dirty="0">
-                <a:solidFill>
-                  <a:srgbClr val="0070C0"/>
-                </a:solidFill>
-              </a:rPr>
-              <a:t>"\</a:t>
-            </a:r>
-            <a:r>
-              <a:rPr lang="en-US" altLang="zh-CN" dirty="0" err="1">
-                <a:solidFill>
-                  <a:srgbClr val="0070C0"/>
-                </a:solidFill>
-              </a:rPr>
-              <a:t>ruby|rails</a:t>
-            </a:r>
-            <a:r>
-              <a:rPr lang="pt-BR" altLang="zh-CN" dirty="0">
-                <a:solidFill>
-                  <a:srgbClr val="0070C0"/>
-                </a:solidFill>
-              </a:rPr>
-              <a:t>"</a:t>
-            </a:r>
-            <a:r>
-              <a:rPr lang="en-US" altLang="zh-CN" dirty="0">
-                <a:solidFill>
-                  <a:srgbClr val="0070C0"/>
-                </a:solidFill>
-              </a:rPr>
-              <a:t> =~ /ruby/	=&gt; 0</a:t>
-            </a:r>
-          </a:p>
-          <a:p>
-            <a:pPr lvl="1"/>
-            <a:r>
-              <a:rPr lang="pt-BR" altLang="zh-CN" dirty="0">
-                <a:solidFill>
-                  <a:srgbClr val="0070C0"/>
-                </a:solidFill>
-              </a:rPr>
-              <a:t>"</a:t>
-            </a:r>
-            <a:r>
-              <a:rPr lang="en-US" altLang="zh-CN" dirty="0" err="1">
-                <a:solidFill>
-                  <a:srgbClr val="0070C0"/>
-                </a:solidFill>
-              </a:rPr>
-              <a:t>ruby|rails</a:t>
-            </a:r>
-            <a:r>
-              <a:rPr lang="pt-BR" altLang="zh-CN" dirty="0">
-                <a:solidFill>
-                  <a:srgbClr val="0070C0"/>
-                </a:solidFill>
-              </a:rPr>
-              <a:t>"</a:t>
-            </a:r>
-            <a:r>
-              <a:rPr lang="en-US" altLang="zh-CN" dirty="0">
-                <a:solidFill>
-                  <a:srgbClr val="0070C0"/>
-                </a:solidFill>
-              </a:rPr>
-              <a:t> =~ /rails/	</a:t>
-            </a:r>
-            <a:r>
-              <a:rPr lang="en-US" altLang="zh-CN" dirty="0" smtClean="0">
-                <a:solidFill>
-                  <a:srgbClr val="0070C0"/>
-                </a:solidFill>
-              </a:rPr>
-              <a:t>	=</a:t>
-            </a:r>
-            <a:r>
-              <a:rPr lang="en-US" altLang="zh-CN" dirty="0">
-                <a:solidFill>
-                  <a:srgbClr val="0070C0"/>
-                </a:solidFill>
-              </a:rPr>
-              <a:t>&gt; 5</a:t>
-            </a:r>
-          </a:p>
-          <a:p>
-            <a:pPr>
-              <a:buNone/>
-            </a:pPr>
-            <a:endParaRPr lang="en-US" altLang="zh-CN" dirty="0" smtClean="0"/>
+              <a:rPr lang="cs-CZ" dirty="0">
+                <a:solidFill>
+                  <a:srgbClr val="0070C0"/>
+                </a:solidFill>
+              </a:rPr>
+              <a:t>a\</a:t>
+            </a:r>
+            <a:r>
+              <a:rPr lang="cs-CZ" dirty="0" err="1">
+                <a:solidFill>
+                  <a:srgbClr val="0070C0"/>
+                </a:solidFill>
+              </a:rPr>
+              <a:t>nbc</a:t>
+            </a:r>
+            <a:r>
+              <a:rPr lang="cs-CZ" dirty="0">
+                <a:solidFill>
+                  <a:srgbClr val="0070C0"/>
+                </a:solidFill>
+              </a:rPr>
+              <a:t>\n" =~ /c\z/		=&gt; </a:t>
+            </a:r>
+            <a:r>
+              <a:rPr lang="cs-CZ" dirty="0" err="1" smtClean="0">
+                <a:solidFill>
+                  <a:srgbClr val="0070C0"/>
+                </a:solidFill>
+              </a:rPr>
+              <a:t>nil</a:t>
+            </a:r>
+            <a:endParaRPr lang="cs-CZ" dirty="0">
+              <a:solidFill>
+                <a:srgbClr val="0070C0"/>
+              </a:solidFill>
+            </a:endParaRPr>
           </a:p>
         </p:txBody>
       </p:sp>
@@ -7061,7 +7213,7 @@
     <a:masterClrMapping/>
   </p:clrMapOvr>
   <p:transition spd="slow">
-    <p:pull dir="d"/>
+    <p:fade/>
   </p:transition>
   <p:timing>
     <p:tnLst>
@@ -7107,7 +7259,7 @@
           <a:p>
             <a:r>
               <a:rPr lang="en-US" altLang="zh-CN" dirty="0" smtClean="0"/>
-              <a:t>Digit/Non-digit</a:t>
+              <a:t>Basic</a:t>
             </a:r>
             <a:endParaRPr lang="zh-CN" altLang="en-US" dirty="0"/>
           </a:p>
@@ -7125,69 +7277,287 @@
         </p:nvSpPr>
         <p:spPr/>
         <p:txBody>
-          <a:bodyPr/>
+          <a:bodyPr>
+            <a:normAutofit fontScale="92500" lnSpcReduction="20000"/>
+          </a:bodyPr>
           <a:lstStyle/>
           <a:p>
             <a:r>
               <a:rPr lang="en-US" altLang="zh-CN" dirty="0" smtClean="0"/>
-              <a:t>\d		[0-9]</a:t>
+              <a:t>[ ]</a:t>
             </a:r>
           </a:p>
           <a:p>
             <a:pPr lvl="1"/>
             <a:r>
-              <a:rPr lang="en-US" altLang="zh-CN" dirty="0">
-                <a:solidFill>
-                  <a:srgbClr val="0070C0"/>
-                </a:solidFill>
-              </a:rPr>
-              <a:t>"a1b2" =~ /\d</a:t>
-            </a:r>
+              <a:rPr lang="pt-BR" dirty="0">
+                <a:solidFill>
+                  <a:srgbClr val="0070C0"/>
+                </a:solidFill>
+              </a:rPr>
+              <a:t>"regex" =~ /[aeiou]/		=&gt; </a:t>
+            </a:r>
+            <a:r>
+              <a:rPr lang="pt-BR" dirty="0" smtClean="0">
+                <a:solidFill>
+                  <a:srgbClr val="0070C0"/>
+                </a:solidFill>
+              </a:rPr>
+              <a:t>1</a:t>
+            </a:r>
+          </a:p>
+          <a:p>
+            <a:pPr lvl="1"/>
             <a:r>
               <a:rPr lang="en-US" altLang="zh-CN" dirty="0" smtClean="0">
                 <a:solidFill>
                   <a:srgbClr val="0070C0"/>
                 </a:solidFill>
               </a:rPr>
-              <a:t>/		=&gt; 1</a:t>
+              <a:t>"</a:t>
+            </a:r>
+            <a:r>
+              <a:rPr lang="en-US" altLang="zh-CN" dirty="0" err="1" smtClean="0">
+                <a:solidFill>
+                  <a:srgbClr val="0070C0"/>
+                </a:solidFill>
+              </a:rPr>
+              <a:t>regex</a:t>
+            </a:r>
+            <a:r>
+              <a:rPr lang="en-US" altLang="zh-CN" dirty="0" smtClean="0">
+                <a:solidFill>
+                  <a:srgbClr val="0070C0"/>
+                </a:solidFill>
+              </a:rPr>
+              <a:t>" =~ /[a-f]/		=&gt; 1</a:t>
+            </a:r>
+          </a:p>
+          <a:p>
+            <a:r>
+              <a:rPr lang="en-US" altLang="zh-CN" dirty="0" smtClean="0"/>
+              <a:t>[^ ]</a:t>
             </a:r>
           </a:p>
           <a:p>
             <a:pPr lvl="1"/>
             <a:r>
-              <a:rPr lang="en-US" altLang="zh-CN" dirty="0" smtClean="0">
-                <a:solidFill>
-                  <a:srgbClr val="0070C0"/>
-                </a:solidFill>
-              </a:rPr>
-              <a:t>"1+2=3" =~ /\d+\d=\d/	=&gt; nil</a:t>
-            </a:r>
-          </a:p>
-          <a:p>
-            <a:pPr lvl="1"/>
-            <a:endParaRPr lang="en-US" altLang="zh-CN" dirty="0" smtClean="0"/>
-          </a:p>
-          <a:p>
-            <a:r>
-              <a:rPr lang="en-US" altLang="zh-CN" dirty="0" smtClean="0"/>
-              <a:t>\D		[^0-9]</a:t>
-            </a:r>
-          </a:p>
-          <a:p>
-            <a:pPr lvl="1"/>
-            <a:r>
-              <a:rPr lang="en-US" altLang="zh-CN" dirty="0" smtClean="0">
-                <a:solidFill>
-                  <a:srgbClr val="0070C0"/>
-                </a:solidFill>
-              </a:rPr>
-              <a:t> "1ab2" =~ /\D/		=&gt; 1</a:t>
-            </a:r>
-            <a:endParaRPr lang="zh-CN" altLang="en-US" dirty="0">
+              <a:rPr lang="pt-BR" altLang="zh-CN" dirty="0" smtClean="0">
+                <a:solidFill>
+                  <a:srgbClr val="0070C0"/>
+                </a:solidFill>
+              </a:rPr>
+              <a:t>"</a:t>
+            </a:r>
+            <a:r>
+              <a:rPr lang="fr-FR" altLang="zh-CN" dirty="0" err="1">
+                <a:solidFill>
+                  <a:srgbClr val="0070C0"/>
+                </a:solidFill>
+              </a:rPr>
+              <a:t>regex</a:t>
+            </a:r>
+            <a:r>
+              <a:rPr lang="pt-BR" altLang="zh-CN" dirty="0">
+                <a:solidFill>
+                  <a:srgbClr val="0070C0"/>
+                </a:solidFill>
+              </a:rPr>
+              <a:t>"</a:t>
+            </a:r>
+            <a:r>
+              <a:rPr lang="fr-FR" altLang="zh-CN" dirty="0">
+                <a:solidFill>
+                  <a:srgbClr val="0070C0"/>
+                </a:solidFill>
+              </a:rPr>
+              <a:t> =~ /[^reg]/		=&gt; </a:t>
+            </a:r>
+            <a:r>
+              <a:rPr lang="fr-FR" altLang="zh-CN" dirty="0" smtClean="0">
+                <a:solidFill>
+                  <a:srgbClr val="0070C0"/>
+                </a:solidFill>
+              </a:rPr>
+              <a:t>4</a:t>
+            </a:r>
+            <a:endParaRPr lang="en-US" altLang="zh-CN" dirty="0" smtClean="0">
               <a:solidFill>
                 <a:srgbClr val="0070C0"/>
               </a:solidFill>
             </a:endParaRPr>
+          </a:p>
+          <a:p>
+            <a:r>
+              <a:rPr lang="en-US" altLang="zh-CN" dirty="0" smtClean="0"/>
+              <a:t>.</a:t>
+            </a:r>
+          </a:p>
+          <a:p>
+            <a:pPr lvl="1"/>
+            <a:r>
+              <a:rPr lang="pt-BR" altLang="zh-CN" dirty="0">
+                <a:solidFill>
+                  <a:srgbClr val="0070C0"/>
+                </a:solidFill>
+              </a:rPr>
+              <a:t>"</a:t>
+            </a:r>
+            <a:r>
+              <a:rPr lang="pt-BR" altLang="zh-CN" dirty="0" smtClean="0">
+                <a:solidFill>
+                  <a:srgbClr val="0070C0"/>
+                </a:solidFill>
+              </a:rPr>
+              <a:t>\</a:t>
+            </a:r>
+            <a:r>
+              <a:rPr lang="en-US" altLang="zh-CN" dirty="0">
+                <a:solidFill>
+                  <a:srgbClr val="0070C0"/>
+                </a:solidFill>
+              </a:rPr>
+              <a:t>n 123</a:t>
+            </a:r>
+            <a:r>
+              <a:rPr lang="pt-BR" altLang="zh-CN" dirty="0">
+                <a:solidFill>
+                  <a:srgbClr val="0070C0"/>
+                </a:solidFill>
+              </a:rPr>
+              <a:t>"</a:t>
+            </a:r>
+            <a:r>
+              <a:rPr lang="en-US" altLang="zh-CN" dirty="0">
+                <a:solidFill>
+                  <a:srgbClr val="0070C0"/>
+                </a:solidFill>
+              </a:rPr>
+              <a:t> =~ /./		</a:t>
+            </a:r>
+            <a:r>
+              <a:rPr lang="en-US" altLang="zh-CN" dirty="0" smtClean="0">
+                <a:solidFill>
+                  <a:srgbClr val="0070C0"/>
+                </a:solidFill>
+              </a:rPr>
+              <a:t>	=</a:t>
+            </a:r>
+            <a:r>
+              <a:rPr lang="en-US" altLang="zh-CN" dirty="0">
+                <a:solidFill>
+                  <a:srgbClr val="0070C0"/>
+                </a:solidFill>
+              </a:rPr>
+              <a:t>&gt; </a:t>
+            </a:r>
+            <a:r>
+              <a:rPr lang="en-US" altLang="zh-CN" dirty="0" smtClean="0">
+                <a:solidFill>
+                  <a:srgbClr val="0070C0"/>
+                </a:solidFill>
+              </a:rPr>
+              <a:t>1</a:t>
+            </a:r>
+          </a:p>
+          <a:p>
+            <a:r>
+              <a:rPr lang="en-US" altLang="zh-CN" dirty="0" smtClean="0"/>
+              <a:t>|</a:t>
+            </a:r>
+            <a:endParaRPr lang="en-US" altLang="zh-CN" dirty="0"/>
+          </a:p>
+          <a:p>
+            <a:pPr lvl="1"/>
+            <a:r>
+              <a:rPr lang="pt-BR" altLang="zh-CN" dirty="0">
+                <a:solidFill>
+                  <a:srgbClr val="0070C0"/>
+                </a:solidFill>
+              </a:rPr>
+              <a:t>"\</a:t>
+            </a:r>
+            <a:r>
+              <a:rPr lang="en-US" altLang="zh-CN" dirty="0" err="1">
+                <a:solidFill>
+                  <a:srgbClr val="0070C0"/>
+                </a:solidFill>
+              </a:rPr>
+              <a:t>ruby|rails</a:t>
+            </a:r>
+            <a:r>
+              <a:rPr lang="pt-BR" altLang="zh-CN" dirty="0">
+                <a:solidFill>
+                  <a:srgbClr val="0070C0"/>
+                </a:solidFill>
+              </a:rPr>
+              <a:t>"</a:t>
+            </a:r>
+            <a:r>
+              <a:rPr lang="en-US" altLang="zh-CN" dirty="0">
+                <a:solidFill>
+                  <a:srgbClr val="0070C0"/>
+                </a:solidFill>
+              </a:rPr>
+              <a:t> =~ /ruby/	=&gt; 0</a:t>
+            </a:r>
+          </a:p>
+          <a:p>
+            <a:pPr lvl="1"/>
+            <a:r>
+              <a:rPr lang="pt-BR" altLang="zh-CN" dirty="0">
+                <a:solidFill>
+                  <a:srgbClr val="0070C0"/>
+                </a:solidFill>
+              </a:rPr>
+              <a:t>"</a:t>
+            </a:r>
+            <a:r>
+              <a:rPr lang="en-US" altLang="zh-CN" dirty="0" err="1">
+                <a:solidFill>
+                  <a:srgbClr val="0070C0"/>
+                </a:solidFill>
+              </a:rPr>
+              <a:t>ruby|rails</a:t>
+            </a:r>
+            <a:r>
+              <a:rPr lang="pt-BR" altLang="zh-CN" dirty="0">
+                <a:solidFill>
+                  <a:srgbClr val="0070C0"/>
+                </a:solidFill>
+              </a:rPr>
+              <a:t>"</a:t>
+            </a:r>
+            <a:r>
+              <a:rPr lang="en-US" altLang="zh-CN" dirty="0">
+                <a:solidFill>
+                  <a:srgbClr val="0070C0"/>
+                </a:solidFill>
+              </a:rPr>
+              <a:t> =~ /rails/	</a:t>
+            </a:r>
+            <a:r>
+              <a:rPr lang="en-US" altLang="zh-CN" dirty="0" smtClean="0">
+                <a:solidFill>
+                  <a:srgbClr val="0070C0"/>
+                </a:solidFill>
+              </a:rPr>
+              <a:t>	=</a:t>
+            </a:r>
+            <a:r>
+              <a:rPr lang="en-US" altLang="zh-CN" dirty="0">
+                <a:solidFill>
+                  <a:srgbClr val="0070C0"/>
+                </a:solidFill>
+              </a:rPr>
+              <a:t>&gt; 5</a:t>
+            </a:r>
+          </a:p>
+          <a:p>
+            <a:pPr>
+              <a:buNone/>
+            </a:pPr>
+            <a:endParaRPr lang="en-US" altLang="zh-CN" dirty="0" smtClean="0"/>
           </a:p>
         </p:txBody>
       </p:sp>
@@ -7197,7 +7567,7 @@
     <a:masterClrMapping/>
   </p:clrMapOvr>
   <p:transition spd="slow">
-    <p:pull dir="d"/>
+    <p:fade/>
   </p:transition>
   <p:timing>
     <p:tnLst>
@@ -7242,8 +7612,8 @@
           <a:lstStyle/>
           <a:p>
             <a:r>
-              <a:rPr lang="en-US" dirty="0" smtClean="0"/>
-              <a:t>Alphanumeric and _</a:t>
+              <a:rPr lang="en-US" altLang="zh-CN" dirty="0" smtClean="0"/>
+              <a:t>Digit/Non-digit</a:t>
             </a:r>
             <a:endParaRPr lang="zh-CN" altLang="en-US" dirty="0"/>
           </a:p>
@@ -7265,60 +7635,61 @@
           <a:lstStyle/>
           <a:p>
             <a:r>
-              <a:rPr lang="en-US" altLang="zh-CN" b="1" dirty="0" smtClean="0"/>
-              <a:t>\w		</a:t>
-            </a:r>
-            <a:r>
-              <a:rPr lang="en-US" dirty="0" smtClean="0"/>
-              <a:t> [0-9a-zA-Z_]</a:t>
-            </a:r>
-          </a:p>
-          <a:p>
-            <a:pPr lvl="1">
-              <a:lnSpc>
-                <a:spcPct val="80000"/>
-              </a:lnSpc>
-            </a:pPr>
-            <a:r>
-              <a:rPr lang="en-US" altLang="zh-CN" sz="2600" dirty="0" smtClean="0">
-                <a:solidFill>
-                  <a:srgbClr val="0070C0"/>
-                </a:solidFill>
-              </a:rPr>
-              <a:t> "-_a" =~ /\w/		=&gt; 1</a:t>
-            </a:r>
-          </a:p>
-          <a:p>
-            <a:pPr>
-              <a:buNone/>
-            </a:pPr>
+              <a:rPr lang="en-US" altLang="zh-CN" dirty="0" smtClean="0"/>
+              <a:t>\d		[0-9]</a:t>
+            </a:r>
+          </a:p>
+          <a:p>
+            <a:pPr lvl="1"/>
+            <a:r>
+              <a:rPr lang="en-US" altLang="zh-CN" dirty="0">
+                <a:solidFill>
+                  <a:srgbClr val="0070C0"/>
+                </a:solidFill>
+              </a:rPr>
+              <a:t>"a1b2" =~ /\d</a:t>
+            </a:r>
+            <a:r>
+              <a:rPr lang="en-US" altLang="zh-CN" dirty="0" smtClean="0">
+                <a:solidFill>
+                  <a:srgbClr val="0070C0"/>
+                </a:solidFill>
+              </a:rPr>
+              <a:t>/		=&gt; 1</a:t>
+            </a:r>
+          </a:p>
+          <a:p>
+            <a:pPr lvl="1"/>
+            <a:r>
+              <a:rPr lang="en-US" altLang="zh-CN" dirty="0" smtClean="0">
+                <a:solidFill>
+                  <a:srgbClr val="0070C0"/>
+                </a:solidFill>
+              </a:rPr>
+              <a:t>"1+2=3" =~ /\d+\d=\d/	=&gt; nil</a:t>
+            </a:r>
+          </a:p>
+          <a:p>
+            <a:pPr lvl="1"/>
             <a:endParaRPr lang="en-US" altLang="zh-CN" dirty="0" smtClean="0"/>
           </a:p>
           <a:p>
             <a:r>
-              <a:rPr lang="en-US" altLang="zh-CN" b="1" dirty="0" smtClean="0"/>
-              <a:t>\W		</a:t>
-            </a:r>
-            <a:r>
-              <a:rPr lang="en-US" dirty="0" smtClean="0"/>
-              <a:t>[^0-9a-zA-Z_]</a:t>
-            </a:r>
-          </a:p>
-          <a:p>
-            <a:pPr lvl="1">
-              <a:lnSpc>
-                <a:spcPct val="80000"/>
-              </a:lnSpc>
-            </a:pPr>
-            <a:r>
-              <a:rPr lang="en-US" altLang="zh-CN" sz="2600" dirty="0" smtClean="0">
-                <a:solidFill>
-                  <a:srgbClr val="0070C0"/>
-                </a:solidFill>
-              </a:rPr>
-              <a:t>"b_ c" =~ /\w/</a:t>
-            </a:r>
-            <a:endParaRPr lang="zh-CN" altLang="en-US" sz="2600" dirty="0">
+              <a:rPr lang="en-US" altLang="zh-CN" dirty="0" smtClean="0"/>
+              <a:t>\D		[^0-9]</a:t>
+            </a:r>
+          </a:p>
+          <a:p>
+            <a:pPr lvl="1"/>
+            <a:r>
+              <a:rPr lang="en-US" altLang="zh-CN" dirty="0" smtClean="0">
+                <a:solidFill>
+                  <a:srgbClr val="0070C0"/>
+                </a:solidFill>
+              </a:rPr>
+              <a:t> "1ab2" =~ /\D/		=&gt; 1</a:t>
+            </a:r>
+            <a:endParaRPr lang="zh-CN" altLang="en-US" dirty="0">
               <a:solidFill>
                 <a:srgbClr val="0070C0"/>
               </a:solidFill>
@@ -7332,7 +7703,7 @@
     <a:masterClrMapping/>
   </p:clrMapOvr>
   <p:transition spd="slow">
-    <p:pull dir="d"/>
+    <p:fade/>
   </p:transition>
   <p:timing>
     <p:tnLst>
@@ -7378,7 +7749,7 @@
           <a:p>
             <a:r>
               <a:rPr lang="en-US" dirty="0" smtClean="0"/>
-              <a:t>Whitespace &amp; Non-whitespace</a:t>
+              <a:t>Alphanumeric and _</a:t>
             </a:r>
             <a:endParaRPr lang="zh-CN" altLang="en-US" dirty="0"/>
           </a:p>
@@ -7401,11 +7772,11 @@
           <a:p>
             <a:r>
               <a:rPr lang="en-US" altLang="zh-CN" b="1" dirty="0" smtClean="0"/>
-              <a:t>\s			</a:t>
+              <a:t>\w		</a:t>
             </a:r>
             <a:r>
               <a:rPr lang="en-US" dirty="0" smtClean="0"/>
-              <a:t>[ \f\n\r\t\v]</a:t>
+              <a:t> [0-9a-zA-Z_]</a:t>
             </a:r>
           </a:p>
           <a:p>
@@ -7420,7 +7791,7 @@
                   <a:srgbClr val="0070C0"/>
                 </a:solidFill>
               </a:rPr>
-              <a:t> "price $12" =~ /\s/</a:t>
+              <a:t> "-_a" =~ /\w/		=&gt; 1</a:t>
             </a:r>
           </a:p>
           <a:p>
@@ -7432,13 +7803,32 @@
           <a:p>
             <a:r>
               <a:rPr lang="en-US" altLang="zh-CN" b="1" dirty="0" smtClean="0"/>
-              <a:t>\S			</a:t>
+              <a:t>\W		</a:t>
             </a:r>
             <a:r>
               <a:rPr lang="en-US" dirty="0" smtClean="0"/>
-              <a:t>[^ \f\n\r\t\v]</a:t>
-            </a:r>
-            <a:endParaRPr lang="zh-CN" altLang="en-US" dirty="0"/>
+              <a:t>[^0-9a-zA-Z_]</a:t>
+            </a:r>
+          </a:p>
+          <a:p>
+            <a:pPr lvl="1">
+              <a:lnSpc>
+                <a:spcPct val="80000"/>
+              </a:lnSpc>
+            </a:pPr>
+            <a:r>
+              <a:rPr lang="en-US" altLang="zh-CN" sz="2600" dirty="0" smtClean="0">
+                <a:solidFill>
+                  <a:srgbClr val="0070C0"/>
+                </a:solidFill>
+              </a:rPr>
+              <a:t>"b_ c" =~ /\w/</a:t>
+            </a:r>
+            <a:endParaRPr lang="zh-CN" altLang="en-US" sz="2600" dirty="0">
+              <a:solidFill>
+                <a:srgbClr val="0070C0"/>
+              </a:solidFill>
+            </a:endParaRPr>
           </a:p>
         </p:txBody>
       </p:sp>
@@ -7448,7 +7838,7 @@
     <a:masterClrMapping/>
   </p:clrMapOvr>
   <p:transition spd="slow">
-    <p:pull dir="d"/>
+    <p:fade/>
   </p:transition>
   <p:timing>
     <p:tnLst>
@@ -7493,8 +7883,8 @@
           <a:lstStyle/>
           <a:p>
             <a:r>
-              <a:rPr lang="en-US" altLang="zh-CN" dirty="0" smtClean="0"/>
-              <a:t>Border of Word</a:t>
+              <a:rPr lang="en-US" dirty="0" smtClean="0"/>
+              <a:t>Whitespace &amp; Non-whitespace</a:t>
             </a:r>
             <a:endParaRPr lang="zh-CN" altLang="en-US" dirty="0"/>
           </a:p>
@@ -7516,8 +7906,12 @@
           <a:lstStyle/>
           <a:p>
             <a:r>
-              <a:rPr lang="en-US" altLang="zh-CN" dirty="0" smtClean="0"/>
-              <a:t>\b</a:t>
+              <a:rPr lang="en-US" altLang="zh-CN" b="1" dirty="0" smtClean="0"/>
+              <a:t>\s			</a:t>
+            </a:r>
+            <a:r>
+              <a:rPr lang="en-US" dirty="0" smtClean="0"/>
+              <a:t>[ \f\n\r\t\v]</a:t>
             </a:r>
           </a:p>
           <a:p>
@@ -7532,88 +7926,25 @@
                   <a:srgbClr val="0070C0"/>
                 </a:solidFill>
               </a:rPr>
-              <a:t> "This is the time" =~ /\</a:t>
-            </a:r>
-            <a:r>
-              <a:rPr lang="en-US" altLang="zh-CN" sz="2600" dirty="0" err="1" smtClean="0">
-                <a:solidFill>
-                  <a:srgbClr val="0070C0"/>
-                </a:solidFill>
-              </a:rPr>
-              <a:t>bis</a:t>
-            </a:r>
-            <a:r>
-              <a:rPr lang="en-US" altLang="zh-CN" sz="2600" dirty="0" smtClean="0">
-                <a:solidFill>
-                  <a:srgbClr val="0070C0"/>
-                </a:solidFill>
-              </a:rPr>
-              <a:t>/	</a:t>
-            </a:r>
-            <a:r>
-              <a:rPr lang="pt-BR" altLang="zh-CN" sz="2600" dirty="0" smtClean="0">
-                <a:solidFill>
-                  <a:srgbClr val="0070C0"/>
-                </a:solidFill>
-              </a:rPr>
-              <a:t>	</a:t>
-            </a:r>
-            <a:r>
-              <a:rPr lang="en-US" altLang="zh-CN" sz="2600" dirty="0" smtClean="0">
-                <a:solidFill>
-                  <a:srgbClr val="0070C0"/>
-                </a:solidFill>
-              </a:rPr>
-              <a:t>=&gt; 5</a:t>
-            </a:r>
-          </a:p>
-          <a:p>
+              <a:t> "price $12" =~ /\s/</a:t>
+            </a:r>
+          </a:p>
+          <a:p>
+            <a:pPr>
+              <a:buNone/>
+            </a:pPr>
             <a:endParaRPr lang="en-US" altLang="zh-CN" dirty="0" smtClean="0"/>
           </a:p>
           <a:p>
-            <a:endParaRPr lang="en-US" altLang="zh-CN" dirty="0" smtClean="0"/>
-          </a:p>
-          <a:p>
-            <a:r>
-              <a:rPr lang="en-US" altLang="zh-CN" dirty="0" smtClean="0"/>
-              <a:t>\B</a:t>
-            </a:r>
-          </a:p>
-          <a:p>
-            <a:pPr lvl="1">
-              <a:lnSpc>
-                <a:spcPct val="80000"/>
-              </a:lnSpc>
-            </a:pPr>
-            <a:r>
-              <a:rPr lang="en-US" altLang="zh-CN" sz="2600" dirty="0" smtClean="0">
-                <a:solidFill>
-                  <a:srgbClr val="0070C0"/>
-                </a:solidFill>
-              </a:rPr>
-              <a:t>"This is the time" =~ /\</a:t>
-            </a:r>
-            <a:r>
-              <a:rPr lang="en-US" altLang="zh-CN" sz="2600" dirty="0" err="1" smtClean="0">
-                <a:solidFill>
-                  <a:srgbClr val="0070C0"/>
-                </a:solidFill>
-              </a:rPr>
-              <a:t>Bis</a:t>
-            </a:r>
-            <a:r>
-              <a:rPr lang="en-US" altLang="zh-CN" sz="2600" dirty="0" smtClean="0">
-                <a:solidFill>
-                  <a:srgbClr val="0070C0"/>
-                </a:solidFill>
-              </a:rPr>
-              <a:t>/		=&gt; 2</a:t>
-            </a:r>
-            <a:endParaRPr lang="zh-CN" altLang="en-US" sz="2600" dirty="0">
-              <a:solidFill>
-                <a:srgbClr val="0070C0"/>
-              </a:solidFill>
-            </a:endParaRPr>
+            <a:r>
+              <a:rPr lang="en-US" altLang="zh-CN" b="1" dirty="0" smtClean="0"/>
+              <a:t>\S			</a:t>
+            </a:r>
+            <a:r>
+              <a:rPr lang="en-US" dirty="0" smtClean="0"/>
+              <a:t>[^ \f\n\r\t\v]</a:t>
+            </a:r>
+            <a:endParaRPr lang="zh-CN" altLang="en-US" dirty="0"/>
           </a:p>
         </p:txBody>
       </p:sp>
@@ -7623,7 +7954,7 @@
     <a:masterClrMapping/>
   </p:clrMapOvr>
   <p:transition spd="slow">
-    <p:pull dir="d"/>
+    <p:fade/>
   </p:transition>
   <p:timing>
     <p:tnLst>

--- a/regex/Regular Expression.pptx
+++ b/regex/Regular Expression.pptx
@@ -312,7 +312,7 @@
             <a:fld id="{530820CF-B880-4189-942D-D702A7CBA730}" type="datetimeFigureOut">
               <a:rPr lang="zh-CN" altLang="en-US" smtClean="0"/>
               <a:pPr/>
-              <a:t>2012/3/26</a:t>
+              <a:t>2012/3/28</a:t>
             </a:fld>
             <a:endParaRPr lang="zh-CN" altLang="en-US"/>
           </a:p>
@@ -479,7 +479,7 @@
             <a:fld id="{530820CF-B880-4189-942D-D702A7CBA730}" type="datetimeFigureOut">
               <a:rPr lang="zh-CN" altLang="en-US" smtClean="0"/>
               <a:pPr/>
-              <a:t>2012/3/26</a:t>
+              <a:t>2012/3/28</a:t>
             </a:fld>
             <a:endParaRPr lang="zh-CN" altLang="en-US"/>
           </a:p>
@@ -656,7 +656,7 @@
             <a:fld id="{530820CF-B880-4189-942D-D702A7CBA730}" type="datetimeFigureOut">
               <a:rPr lang="zh-CN" altLang="en-US" smtClean="0"/>
               <a:pPr/>
-              <a:t>2012/3/26</a:t>
+              <a:t>2012/3/28</a:t>
             </a:fld>
             <a:endParaRPr lang="zh-CN" altLang="en-US"/>
           </a:p>
@@ -823,7 +823,7 @@
             <a:fld id="{530820CF-B880-4189-942D-D702A7CBA730}" type="datetimeFigureOut">
               <a:rPr lang="zh-CN" altLang="en-US" smtClean="0"/>
               <a:pPr/>
-              <a:t>2012/3/26</a:t>
+              <a:t>2012/3/28</a:t>
             </a:fld>
             <a:endParaRPr lang="zh-CN" altLang="en-US"/>
           </a:p>
@@ -1066,7 +1066,7 @@
             <a:fld id="{530820CF-B880-4189-942D-D702A7CBA730}" type="datetimeFigureOut">
               <a:rPr lang="zh-CN" altLang="en-US" smtClean="0"/>
               <a:pPr/>
-              <a:t>2012/3/26</a:t>
+              <a:t>2012/3/28</a:t>
             </a:fld>
             <a:endParaRPr lang="zh-CN" altLang="en-US"/>
           </a:p>
@@ -1351,7 +1351,7 @@
             <a:fld id="{530820CF-B880-4189-942D-D702A7CBA730}" type="datetimeFigureOut">
               <a:rPr lang="zh-CN" altLang="en-US" smtClean="0"/>
               <a:pPr/>
-              <a:t>2012/3/26</a:t>
+              <a:t>2012/3/28</a:t>
             </a:fld>
             <a:endParaRPr lang="zh-CN" altLang="en-US"/>
           </a:p>
@@ -1770,7 +1770,7 @@
             <a:fld id="{530820CF-B880-4189-942D-D702A7CBA730}" type="datetimeFigureOut">
               <a:rPr lang="zh-CN" altLang="en-US" smtClean="0"/>
               <a:pPr/>
-              <a:t>2012/3/26</a:t>
+              <a:t>2012/3/28</a:t>
             </a:fld>
             <a:endParaRPr lang="zh-CN" altLang="en-US"/>
           </a:p>
@@ -1885,7 +1885,7 @@
             <a:fld id="{530820CF-B880-4189-942D-D702A7CBA730}" type="datetimeFigureOut">
               <a:rPr lang="zh-CN" altLang="en-US" smtClean="0"/>
               <a:pPr/>
-              <a:t>2012/3/26</a:t>
+              <a:t>2012/3/28</a:t>
             </a:fld>
             <a:endParaRPr lang="zh-CN" altLang="en-US"/>
           </a:p>
@@ -1977,7 +1977,7 @@
             <a:fld id="{530820CF-B880-4189-942D-D702A7CBA730}" type="datetimeFigureOut">
               <a:rPr lang="zh-CN" altLang="en-US" smtClean="0"/>
               <a:pPr/>
-              <a:t>2012/3/26</a:t>
+              <a:t>2012/3/28</a:t>
             </a:fld>
             <a:endParaRPr lang="zh-CN" altLang="en-US"/>
           </a:p>
@@ -2251,7 +2251,7 @@
             <a:fld id="{530820CF-B880-4189-942D-D702A7CBA730}" type="datetimeFigureOut">
               <a:rPr lang="zh-CN" altLang="en-US" smtClean="0"/>
               <a:pPr/>
-              <a:t>2012/3/26</a:t>
+              <a:t>2012/3/28</a:t>
             </a:fld>
             <a:endParaRPr lang="zh-CN" altLang="en-US"/>
           </a:p>
@@ -2501,7 +2501,7 @@
             <a:fld id="{530820CF-B880-4189-942D-D702A7CBA730}" type="datetimeFigureOut">
               <a:rPr lang="zh-CN" altLang="en-US" smtClean="0"/>
               <a:pPr/>
-              <a:t>2012/3/26</a:t>
+              <a:t>2012/3/28</a:t>
             </a:fld>
             <a:endParaRPr lang="zh-CN" altLang="en-US"/>
           </a:p>
@@ -2711,7 +2711,7 @@
             <a:fld id="{530820CF-B880-4189-942D-D702A7CBA730}" type="datetimeFigureOut">
               <a:rPr lang="zh-CN" altLang="en-US" smtClean="0"/>
               <a:pPr/>
-              <a:t>2012/3/26</a:t>
+              <a:t>2012/3/28</a:t>
             </a:fld>
             <a:endParaRPr lang="zh-CN" altLang="en-US"/>
           </a:p>
@@ -4418,7 +4418,42 @@
                   <a:srgbClr val="0070C0"/>
                 </a:solidFill>
               </a:rPr>
-              <a:t> "Ruby"&gt;</a:t>
+              <a:t> "Ruby</a:t>
+            </a:r>
+            <a:r>
+              <a:rPr lang="en-US" altLang="zh-CN" dirty="0" smtClean="0">
+                <a:solidFill>
+                  <a:srgbClr val="0070C0"/>
+                </a:solidFill>
+              </a:rPr>
+              <a:t>"&gt;</a:t>
+            </a:r>
+          </a:p>
+          <a:p>
+            <a:pPr lvl="1"/>
+            <a:r>
+              <a:rPr lang="en-US" altLang="zh-CN" dirty="0" smtClean="0">
+                <a:solidFill>
+                  <a:srgbClr val="0070C0"/>
+                </a:solidFill>
+              </a:rPr>
+              <a:t> "</a:t>
+            </a:r>
+            <a:r>
+              <a:rPr lang="en-US" altLang="zh-CN" dirty="0" err="1" smtClean="0">
+                <a:solidFill>
+                  <a:srgbClr val="0070C0"/>
+                </a:solidFill>
+              </a:rPr>
+              <a:t>Jeffs".gsub</a:t>
+            </a:r>
+            <a:r>
+              <a:rPr lang="en-US" altLang="zh-CN" dirty="0" smtClean="0">
+                <a:solidFill>
+                  <a:srgbClr val="0070C0"/>
+                </a:solidFill>
+              </a:rPr>
+              <a:t>(/(?&lt;=Jeff)(?=s)/, "'")</a:t>
             </a:r>
             <a:endParaRPr lang="zh-CN" altLang="en-US" dirty="0">
               <a:solidFill>
@@ -5693,7 +5728,7 @@
     </p:spTree>
     <p:extLst>
       <p:ext uri="{BB962C8B-B14F-4D97-AF65-F5344CB8AC3E}">
-        <p14:creationId xmlns:p14="http://schemas.microsoft.com/office/powerpoint/2010/main" xmlns="" val="3694188506"/>
+        <p14:creationId xmlns="" xmlns:p14="http://schemas.microsoft.com/office/powerpoint/2010/main" val="3694188506"/>
       </p:ext>
     </p:extLst>
   </p:cSld>
@@ -5832,7 +5867,7 @@
     </p:spTree>
     <p:extLst>
       <p:ext uri="{BB962C8B-B14F-4D97-AF65-F5344CB8AC3E}">
-        <p14:creationId xmlns:p14="http://schemas.microsoft.com/office/powerpoint/2010/main" xmlns="" val="4207488348"/>
+        <p14:creationId xmlns="" xmlns:p14="http://schemas.microsoft.com/office/powerpoint/2010/main" val="4207488348"/>
       </p:ext>
     </p:extLst>
   </p:cSld>
@@ -5964,7 +5999,7 @@
     </p:spTree>
     <p:extLst>
       <p:ext uri="{BB962C8B-B14F-4D97-AF65-F5344CB8AC3E}">
-        <p14:creationId xmlns:p14="http://schemas.microsoft.com/office/powerpoint/2010/main" xmlns="" val="382312730"/>
+        <p14:creationId xmlns="" xmlns:p14="http://schemas.microsoft.com/office/powerpoint/2010/main" val="382312730"/>
       </p:ext>
     </p:extLst>
   </p:cSld>
@@ -6502,35 +6537,39 @@
         </p:nvSpPr>
         <p:spPr/>
         <p:txBody>
-          <a:bodyPr/>
-          <a:lstStyle/>
-          <a:p>
-            <a:r>
-              <a:rPr lang="en-US" altLang="zh-CN" dirty="0" smtClean="0"/>
-              <a:t>Nondeterministic </a:t>
-            </a:r>
-            <a:r>
-              <a:rPr lang="en-US" altLang="zh-CN" dirty="0" smtClean="0"/>
-              <a:t>Finite </a:t>
-            </a:r>
-            <a:r>
-              <a:rPr lang="en-US" altLang="zh-CN" dirty="0" smtClean="0"/>
-              <a:t>Automaton</a:t>
-            </a:r>
-          </a:p>
-          <a:p>
-            <a:r>
-              <a:rPr lang="en-US" altLang="zh-CN" dirty="0" smtClean="0"/>
-              <a:t>Deterministic </a:t>
-            </a:r>
-            <a:r>
-              <a:rPr lang="en-US" altLang="zh-CN" dirty="0" smtClean="0"/>
-              <a:t>Finite </a:t>
-            </a:r>
-            <a:r>
-              <a:rPr lang="en-US" altLang="zh-CN" dirty="0" smtClean="0"/>
-              <a:t>Automaton</a:t>
-            </a:r>
+          <a:bodyPr>
+            <a:normAutofit/>
+          </a:bodyPr>
+          <a:lstStyle/>
+          <a:p>
+            <a:r>
+              <a:rPr lang="en-US" altLang="zh-CN" sz="2800" dirty="0" smtClean="0"/>
+              <a:t>Nondeterministic Finite </a:t>
+            </a:r>
+            <a:r>
+              <a:rPr lang="en-US" altLang="zh-CN" sz="2800" dirty="0" smtClean="0"/>
+              <a:t>Automaton(</a:t>
+            </a:r>
+            <a:r>
+              <a:rPr lang="en-US" altLang="zh-CN" sz="2800" dirty="0" err="1" smtClean="0"/>
+              <a:t>regex</a:t>
+            </a:r>
+            <a:r>
+              <a:rPr lang="en-US" altLang="zh-CN" sz="2800" dirty="0" smtClean="0"/>
+              <a:t>-directed)</a:t>
+            </a:r>
+            <a:endParaRPr lang="en-US" altLang="zh-CN" sz="2800" dirty="0" smtClean="0"/>
+          </a:p>
+          <a:p>
+            <a:r>
+              <a:rPr lang="en-US" altLang="zh-CN" sz="2800" dirty="0" smtClean="0"/>
+              <a:t>Deterministic Finite </a:t>
+            </a:r>
+            <a:r>
+              <a:rPr lang="en-US" altLang="zh-CN" sz="2800" dirty="0" smtClean="0"/>
+              <a:t>Automaton(text-directed)</a:t>
+            </a:r>
+            <a:endParaRPr lang="en-US" altLang="zh-CN" sz="2800" dirty="0" smtClean="0"/>
           </a:p>
           <a:p>
             <a:pPr lvl="1"/>
@@ -6560,15 +6599,15 @@
             </a:r>
             <a:r>
               <a:rPr lang="en-US" altLang="zh-CN" dirty="0" smtClean="0"/>
-              <a:t>*not</a:t>
+              <a:t>\*</a:t>
             </a:r>
             <a:r>
               <a:rPr lang="en-US" altLang="zh-CN" dirty="0" smtClean="0"/>
-              <a:t>/</a:t>
-            </a:r>
-          </a:p>
-          <a:p>
-            <a:endParaRPr lang="zh-CN" altLang="en-US" dirty="0"/>
+              <a:t>not/</a:t>
+            </a:r>
+          </a:p>
+          <a:p>
+            <a:endParaRPr lang="zh-CN" altLang="en-US" sz="2800" dirty="0"/>
           </a:p>
         </p:txBody>
       </p:sp>
@@ -6581,7 +6620,7 @@
           <p:nvPr/>
         </p:nvGraphicFramePr>
         <p:xfrm>
-          <a:off x="500034" y="3500437"/>
+          <a:off x="500034" y="3357562"/>
           <a:ext cx="7858180" cy="2618427"/>
         </p:xfrm>
         <a:graphic>

--- a/regex/Regular Expression.pptx
+++ b/regex/Regular Expression.pptx
@@ -4418,15 +4418,7 @@
                   <a:srgbClr val="0070C0"/>
                 </a:solidFill>
               </a:rPr>
-              <a:t> "Ruby</a:t>
-            </a:r>
-            <a:r>
-              <a:rPr lang="en-US" altLang="zh-CN" dirty="0" smtClean="0">
-                <a:solidFill>
-                  <a:srgbClr val="0070C0"/>
-                </a:solidFill>
-              </a:rPr>
-              <a:t>"&gt;</a:t>
+              <a:t> "Ruby"&gt;</a:t>
             </a:r>
           </a:p>
           <a:p>
@@ -5728,7 +5720,7 @@
     </p:spTree>
     <p:extLst>
       <p:ext uri="{BB962C8B-B14F-4D97-AF65-F5344CB8AC3E}">
-        <p14:creationId xmlns="" xmlns:p14="http://schemas.microsoft.com/office/powerpoint/2010/main" val="3694188506"/>
+        <p14:creationId xmlns:p14="http://schemas.microsoft.com/office/powerpoint/2010/main" xmlns="" val="3694188506"/>
       </p:ext>
     </p:extLst>
   </p:cSld>
@@ -5867,7 +5859,7 @@
     </p:spTree>
     <p:extLst>
       <p:ext uri="{BB962C8B-B14F-4D97-AF65-F5344CB8AC3E}">
-        <p14:creationId xmlns="" xmlns:p14="http://schemas.microsoft.com/office/powerpoint/2010/main" val="4207488348"/>
+        <p14:creationId xmlns:p14="http://schemas.microsoft.com/office/powerpoint/2010/main" xmlns="" val="4207488348"/>
       </p:ext>
     </p:extLst>
   </p:cSld>
@@ -5999,7 +5991,7 @@
     </p:spTree>
     <p:extLst>
       <p:ext uri="{BB962C8B-B14F-4D97-AF65-F5344CB8AC3E}">
-        <p14:creationId xmlns="" xmlns:p14="http://schemas.microsoft.com/office/powerpoint/2010/main" val="382312730"/>
+        <p14:creationId xmlns:p14="http://schemas.microsoft.com/office/powerpoint/2010/main" xmlns="" val="382312730"/>
       </p:ext>
     </p:extLst>
   </p:cSld>
@@ -6544,11 +6536,7 @@
           <a:p>
             <a:r>
               <a:rPr lang="en-US" altLang="zh-CN" sz="2800" dirty="0" smtClean="0"/>
-              <a:t>Nondeterministic Finite </a:t>
-            </a:r>
-            <a:r>
-              <a:rPr lang="en-US" altLang="zh-CN" sz="2800" dirty="0" smtClean="0"/>
-              <a:t>Automaton(</a:t>
+              <a:t>Nondeterministic Finite Automaton(</a:t>
             </a:r>
             <a:r>
               <a:rPr lang="en-US" altLang="zh-CN" sz="2800" dirty="0" err="1" smtClean="0"/>
@@ -6558,18 +6546,12 @@
               <a:rPr lang="en-US" altLang="zh-CN" sz="2800" dirty="0" smtClean="0"/>
               <a:t>-directed)</a:t>
             </a:r>
-            <a:endParaRPr lang="en-US" altLang="zh-CN" sz="2800" dirty="0" smtClean="0"/>
           </a:p>
           <a:p>
             <a:r>
               <a:rPr lang="en-US" altLang="zh-CN" sz="2800" dirty="0" smtClean="0"/>
-              <a:t>Deterministic Finite </a:t>
-            </a:r>
-            <a:r>
-              <a:rPr lang="en-US" altLang="zh-CN" sz="2800" dirty="0" smtClean="0"/>
-              <a:t>Automaton(text-directed)</a:t>
-            </a:r>
-            <a:endParaRPr lang="en-US" altLang="zh-CN" sz="2800" dirty="0" smtClean="0"/>
+              <a:t>Deterministic Finite Automaton(text-directed)</a:t>
+            </a:r>
           </a:p>
           <a:p>
             <a:pPr lvl="1"/>
@@ -6599,11 +6581,7 @@
             </a:r>
             <a:r>
               <a:rPr lang="en-US" altLang="zh-CN" dirty="0" smtClean="0"/>
-              <a:t>\*</a:t>
-            </a:r>
-            <a:r>
-              <a:rPr lang="en-US" altLang="zh-CN" dirty="0" smtClean="0"/>
-              <a:t>not/</a:t>
+              <a:t>\*not/</a:t>
             </a:r>
           </a:p>
           <a:p>
@@ -7509,15 +7487,15 @@
           <a:p>
             <a:pPr lvl="1"/>
             <a:r>
-              <a:rPr lang="pt-BR" altLang="zh-CN" dirty="0">
-                <a:solidFill>
-                  <a:srgbClr val="0070C0"/>
-                </a:solidFill>
-              </a:rPr>
-              <a:t>"\</a:t>
-            </a:r>
-            <a:r>
-              <a:rPr lang="en-US" altLang="zh-CN" dirty="0" err="1">
+              <a:rPr lang="pt-BR" altLang="zh-CN" smtClean="0">
+                <a:solidFill>
+                  <a:srgbClr val="0070C0"/>
+                </a:solidFill>
+              </a:rPr>
+              <a:t>"</a:t>
+            </a:r>
+            <a:r>
+              <a:rPr lang="en-US" altLang="zh-CN" smtClean="0">
                 <a:solidFill>
                   <a:srgbClr val="0070C0"/>
                 </a:solidFill>
